--- a/assets/seq2seq_att_diagram.pptx
+++ b/assets/seq2seq_att_diagram.pptx
@@ -195,35 +195,35 @@
               <a:buNone/>
               <a:defRPr sz="2400"/>
             </a:lvl1pPr>
-            <a:lvl2pPr marL="457200" indent="0" algn="ctr">
+            <a:lvl2pPr marL="457189" indent="0" algn="ctr">
               <a:buNone/>
               <a:defRPr sz="2000"/>
             </a:lvl2pPr>
-            <a:lvl3pPr marL="914400" indent="0" algn="ctr">
+            <a:lvl3pPr marL="914377" indent="0" algn="ctr">
               <a:buNone/>
               <a:defRPr sz="1800"/>
             </a:lvl3pPr>
-            <a:lvl4pPr marL="1371600" indent="0" algn="ctr">
+            <a:lvl4pPr marL="1371566" indent="0" algn="ctr">
               <a:buNone/>
               <a:defRPr sz="1600"/>
             </a:lvl4pPr>
-            <a:lvl5pPr marL="1828800" indent="0" algn="ctr">
+            <a:lvl5pPr marL="1828754" indent="0" algn="ctr">
               <a:buNone/>
               <a:defRPr sz="1600"/>
             </a:lvl5pPr>
-            <a:lvl6pPr marL="2286000" indent="0" algn="ctr">
+            <a:lvl6pPr marL="2285943" indent="0" algn="ctr">
               <a:buNone/>
               <a:defRPr sz="1600"/>
             </a:lvl6pPr>
-            <a:lvl7pPr marL="2743200" indent="0" algn="ctr">
+            <a:lvl7pPr marL="2743131" indent="0" algn="ctr">
               <a:buNone/>
               <a:defRPr sz="1600"/>
             </a:lvl7pPr>
-            <a:lvl8pPr marL="3200400" indent="0" algn="ctr">
+            <a:lvl8pPr marL="3200320" indent="0" algn="ctr">
               <a:buNone/>
               <a:defRPr sz="1600"/>
             </a:lvl8pPr>
-            <a:lvl9pPr marL="3657600" indent="0" algn="ctr">
+            <a:lvl9pPr marL="3657509" indent="0" algn="ctr">
               <a:buNone/>
               <a:defRPr sz="1600"/>
             </a:lvl9pPr>
@@ -259,7 +259,7 @@
           <a:p>
             <a:fld id="{8CC4C0D4-2A08-4AC6-9EC5-EE8D95F1DC48}" type="datetimeFigureOut">
               <a:rPr lang="ko-KR" altLang="en-US" smtClean="0"/>
-              <a:t>2019-06-07</a:t>
+              <a:t>2019-10-13</a:t>
             </a:fld>
             <a:endParaRPr lang="ko-KR" altLang="en-US"/>
           </a:p>
@@ -457,7 +457,7 @@
           <a:p>
             <a:fld id="{8CC4C0D4-2A08-4AC6-9EC5-EE8D95F1DC48}" type="datetimeFigureOut">
               <a:rPr lang="ko-KR" altLang="en-US" smtClean="0"/>
-              <a:t>2019-06-07</a:t>
+              <a:t>2019-10-13</a:t>
             </a:fld>
             <a:endParaRPr lang="ko-KR" altLang="en-US"/>
           </a:p>
@@ -565,7 +565,7 @@
         </p:nvSpPr>
         <p:spPr>
           <a:xfrm>
-            <a:off x="8724900" y="365125"/>
+            <a:off x="8724901" y="365125"/>
             <a:ext cx="2628900" cy="5811838"/>
           </a:xfrm>
         </p:spPr>
@@ -598,7 +598,7 @@
         </p:nvSpPr>
         <p:spPr>
           <a:xfrm>
-            <a:off x="838200" y="365125"/>
+            <a:off x="838201" y="365125"/>
             <a:ext cx="7734300" cy="5811838"/>
           </a:xfrm>
         </p:spPr>
@@ -665,7 +665,7 @@
           <a:p>
             <a:fld id="{8CC4C0D4-2A08-4AC6-9EC5-EE8D95F1DC48}" type="datetimeFigureOut">
               <a:rPr lang="ko-KR" altLang="en-US" smtClean="0"/>
-              <a:t>2019-06-07</a:t>
+              <a:t>2019-10-13</a:t>
             </a:fld>
             <a:endParaRPr lang="ko-KR" altLang="en-US"/>
           </a:p>
@@ -863,7 +863,7 @@
           <a:p>
             <a:fld id="{8CC4C0D4-2A08-4AC6-9EC5-EE8D95F1DC48}" type="datetimeFigureOut">
               <a:rPr lang="ko-KR" altLang="en-US" smtClean="0"/>
-              <a:t>2019-06-07</a:t>
+              <a:t>2019-10-13</a:t>
             </a:fld>
             <a:endParaRPr lang="ko-KR" altLang="en-US"/>
           </a:p>
@@ -971,7 +971,7 @@
         </p:nvSpPr>
         <p:spPr>
           <a:xfrm>
-            <a:off x="831850" y="1709738"/>
+            <a:off x="831851" y="1709740"/>
             <a:ext cx="10515600" cy="2852737"/>
           </a:xfrm>
         </p:spPr>
@@ -1008,7 +1008,7 @@
         </p:nvSpPr>
         <p:spPr>
           <a:xfrm>
-            <a:off x="831850" y="4589463"/>
+            <a:off x="831851" y="4589465"/>
             <a:ext cx="10515600" cy="1500187"/>
           </a:xfrm>
         </p:spPr>
@@ -1025,7 +1025,7 @@
                 </a:solidFill>
               </a:defRPr>
             </a:lvl1pPr>
-            <a:lvl2pPr marL="457200" indent="0">
+            <a:lvl2pPr marL="457189" indent="0">
               <a:buNone/>
               <a:defRPr sz="2000">
                 <a:solidFill>
@@ -1035,7 +1035,7 @@
                 </a:solidFill>
               </a:defRPr>
             </a:lvl2pPr>
-            <a:lvl3pPr marL="914400" indent="0">
+            <a:lvl3pPr marL="914377" indent="0">
               <a:buNone/>
               <a:defRPr sz="1800">
                 <a:solidFill>
@@ -1045,7 +1045,7 @@
                 </a:solidFill>
               </a:defRPr>
             </a:lvl3pPr>
-            <a:lvl4pPr marL="1371600" indent="0">
+            <a:lvl4pPr marL="1371566" indent="0">
               <a:buNone/>
               <a:defRPr sz="1600">
                 <a:solidFill>
@@ -1055,7 +1055,7 @@
                 </a:solidFill>
               </a:defRPr>
             </a:lvl4pPr>
-            <a:lvl5pPr marL="1828800" indent="0">
+            <a:lvl5pPr marL="1828754" indent="0">
               <a:buNone/>
               <a:defRPr sz="1600">
                 <a:solidFill>
@@ -1065,7 +1065,7 @@
                 </a:solidFill>
               </a:defRPr>
             </a:lvl5pPr>
-            <a:lvl6pPr marL="2286000" indent="0">
+            <a:lvl6pPr marL="2285943" indent="0">
               <a:buNone/>
               <a:defRPr sz="1600">
                 <a:solidFill>
@@ -1075,7 +1075,7 @@
                 </a:solidFill>
               </a:defRPr>
             </a:lvl6pPr>
-            <a:lvl7pPr marL="2743200" indent="0">
+            <a:lvl7pPr marL="2743131" indent="0">
               <a:buNone/>
               <a:defRPr sz="1600">
                 <a:solidFill>
@@ -1085,7 +1085,7 @@
                 </a:solidFill>
               </a:defRPr>
             </a:lvl7pPr>
-            <a:lvl8pPr marL="3200400" indent="0">
+            <a:lvl8pPr marL="3200320" indent="0">
               <a:buNone/>
               <a:defRPr sz="1600">
                 <a:solidFill>
@@ -1095,7 +1095,7 @@
                 </a:solidFill>
               </a:defRPr>
             </a:lvl8pPr>
-            <a:lvl9pPr marL="3657600" indent="0">
+            <a:lvl9pPr marL="3657509" indent="0">
               <a:buNone/>
               <a:defRPr sz="1600">
                 <a:solidFill>
@@ -1138,7 +1138,7 @@
           <a:p>
             <a:fld id="{8CC4C0D4-2A08-4AC6-9EC5-EE8D95F1DC48}" type="datetimeFigureOut">
               <a:rPr lang="ko-KR" altLang="en-US" smtClean="0"/>
-              <a:t>2019-06-07</a:t>
+              <a:t>2019-10-13</a:t>
             </a:fld>
             <a:endParaRPr lang="ko-KR" altLang="en-US"/>
           </a:p>
@@ -1403,7 +1403,7 @@
           <a:p>
             <a:fld id="{8CC4C0D4-2A08-4AC6-9EC5-EE8D95F1DC48}" type="datetimeFigureOut">
               <a:rPr lang="ko-KR" altLang="en-US" smtClean="0"/>
-              <a:t>2019-06-07</a:t>
+              <a:t>2019-10-13</a:t>
             </a:fld>
             <a:endParaRPr lang="ko-KR" altLang="en-US"/>
           </a:p>
@@ -1511,7 +1511,7 @@
         </p:nvSpPr>
         <p:spPr>
           <a:xfrm>
-            <a:off x="839788" y="365125"/>
+            <a:off x="839788" y="365127"/>
             <a:ext cx="10515600" cy="1325563"/>
           </a:xfrm>
         </p:spPr>
@@ -1544,7 +1544,7 @@
         </p:nvSpPr>
         <p:spPr>
           <a:xfrm>
-            <a:off x="839788" y="1681163"/>
+            <a:off x="839789" y="1681163"/>
             <a:ext cx="5157787" cy="823912"/>
           </a:xfrm>
         </p:spPr>
@@ -1555,35 +1555,35 @@
               <a:buNone/>
               <a:defRPr sz="2400" b="1"/>
             </a:lvl1pPr>
-            <a:lvl2pPr marL="457200" indent="0">
+            <a:lvl2pPr marL="457189" indent="0">
               <a:buNone/>
               <a:defRPr sz="2000" b="1"/>
             </a:lvl2pPr>
-            <a:lvl3pPr marL="914400" indent="0">
+            <a:lvl3pPr marL="914377" indent="0">
               <a:buNone/>
               <a:defRPr sz="1800" b="1"/>
             </a:lvl3pPr>
-            <a:lvl4pPr marL="1371600" indent="0">
+            <a:lvl4pPr marL="1371566" indent="0">
               <a:buNone/>
               <a:defRPr sz="1600" b="1"/>
             </a:lvl4pPr>
-            <a:lvl5pPr marL="1828800" indent="0">
+            <a:lvl5pPr marL="1828754" indent="0">
               <a:buNone/>
               <a:defRPr sz="1600" b="1"/>
             </a:lvl5pPr>
-            <a:lvl6pPr marL="2286000" indent="0">
+            <a:lvl6pPr marL="2285943" indent="0">
               <a:buNone/>
               <a:defRPr sz="1600" b="1"/>
             </a:lvl6pPr>
-            <a:lvl7pPr marL="2743200" indent="0">
+            <a:lvl7pPr marL="2743131" indent="0">
               <a:buNone/>
               <a:defRPr sz="1600" b="1"/>
             </a:lvl7pPr>
-            <a:lvl8pPr marL="3200400" indent="0">
+            <a:lvl8pPr marL="3200320" indent="0">
               <a:buNone/>
               <a:defRPr sz="1600" b="1"/>
             </a:lvl8pPr>
-            <a:lvl9pPr marL="3657600" indent="0">
+            <a:lvl9pPr marL="3657509" indent="0">
               <a:buNone/>
               <a:defRPr sz="1600" b="1"/>
             </a:lvl9pPr>
@@ -1615,7 +1615,7 @@
         </p:nvSpPr>
         <p:spPr>
           <a:xfrm>
-            <a:off x="839788" y="2505075"/>
+            <a:off x="839789" y="2505075"/>
             <a:ext cx="5157787" cy="3684588"/>
           </a:xfrm>
         </p:spPr>
@@ -1677,7 +1677,7 @@
         </p:nvSpPr>
         <p:spPr>
           <a:xfrm>
-            <a:off x="6172200" y="1681163"/>
+            <a:off x="6172201" y="1681163"/>
             <a:ext cx="5183188" cy="823912"/>
           </a:xfrm>
         </p:spPr>
@@ -1688,35 +1688,35 @@
               <a:buNone/>
               <a:defRPr sz="2400" b="1"/>
             </a:lvl1pPr>
-            <a:lvl2pPr marL="457200" indent="0">
+            <a:lvl2pPr marL="457189" indent="0">
               <a:buNone/>
               <a:defRPr sz="2000" b="1"/>
             </a:lvl2pPr>
-            <a:lvl3pPr marL="914400" indent="0">
+            <a:lvl3pPr marL="914377" indent="0">
               <a:buNone/>
               <a:defRPr sz="1800" b="1"/>
             </a:lvl3pPr>
-            <a:lvl4pPr marL="1371600" indent="0">
+            <a:lvl4pPr marL="1371566" indent="0">
               <a:buNone/>
               <a:defRPr sz="1600" b="1"/>
             </a:lvl4pPr>
-            <a:lvl5pPr marL="1828800" indent="0">
+            <a:lvl5pPr marL="1828754" indent="0">
               <a:buNone/>
               <a:defRPr sz="1600" b="1"/>
             </a:lvl5pPr>
-            <a:lvl6pPr marL="2286000" indent="0">
+            <a:lvl6pPr marL="2285943" indent="0">
               <a:buNone/>
               <a:defRPr sz="1600" b="1"/>
             </a:lvl6pPr>
-            <a:lvl7pPr marL="2743200" indent="0">
+            <a:lvl7pPr marL="2743131" indent="0">
               <a:buNone/>
               <a:defRPr sz="1600" b="1"/>
             </a:lvl7pPr>
-            <a:lvl8pPr marL="3200400" indent="0">
+            <a:lvl8pPr marL="3200320" indent="0">
               <a:buNone/>
               <a:defRPr sz="1600" b="1"/>
             </a:lvl8pPr>
-            <a:lvl9pPr marL="3657600" indent="0">
+            <a:lvl9pPr marL="3657509" indent="0">
               <a:buNone/>
               <a:defRPr sz="1600" b="1"/>
             </a:lvl9pPr>
@@ -1748,7 +1748,7 @@
         </p:nvSpPr>
         <p:spPr>
           <a:xfrm>
-            <a:off x="6172200" y="2505075"/>
+            <a:off x="6172201" y="2505075"/>
             <a:ext cx="5183188" cy="3684588"/>
           </a:xfrm>
         </p:spPr>
@@ -1815,7 +1815,7 @@
           <a:p>
             <a:fld id="{8CC4C0D4-2A08-4AC6-9EC5-EE8D95F1DC48}" type="datetimeFigureOut">
               <a:rPr lang="ko-KR" altLang="en-US" smtClean="0"/>
-              <a:t>2019-06-07</a:t>
+              <a:t>2019-10-13</a:t>
             </a:fld>
             <a:endParaRPr lang="ko-KR" altLang="en-US"/>
           </a:p>
@@ -1956,7 +1956,7 @@
           <a:p>
             <a:fld id="{8CC4C0D4-2A08-4AC6-9EC5-EE8D95F1DC48}" type="datetimeFigureOut">
               <a:rPr lang="ko-KR" altLang="en-US" smtClean="0"/>
-              <a:t>2019-06-07</a:t>
+              <a:t>2019-10-13</a:t>
             </a:fld>
             <a:endParaRPr lang="ko-KR" altLang="en-US"/>
           </a:p>
@@ -2069,7 +2069,7 @@
           <a:p>
             <a:fld id="{8CC4C0D4-2A08-4AC6-9EC5-EE8D95F1DC48}" type="datetimeFigureOut">
               <a:rPr lang="ko-KR" altLang="en-US" smtClean="0"/>
-              <a:t>2019-06-07</a:t>
+              <a:t>2019-10-13</a:t>
             </a:fld>
             <a:endParaRPr lang="ko-KR" altLang="en-US"/>
           </a:p>
@@ -2214,7 +2214,7 @@
         </p:nvSpPr>
         <p:spPr>
           <a:xfrm>
-            <a:off x="5183188" y="987425"/>
+            <a:off x="5183188" y="987427"/>
             <a:ext cx="6172200" cy="4873625"/>
           </a:xfrm>
         </p:spPr>
@@ -2315,35 +2315,35 @@
               <a:buNone/>
               <a:defRPr sz="1600"/>
             </a:lvl1pPr>
-            <a:lvl2pPr marL="457200" indent="0">
+            <a:lvl2pPr marL="457189" indent="0">
               <a:buNone/>
               <a:defRPr sz="1400"/>
             </a:lvl2pPr>
-            <a:lvl3pPr marL="914400" indent="0">
+            <a:lvl3pPr marL="914377" indent="0">
               <a:buNone/>
               <a:defRPr sz="1200"/>
             </a:lvl3pPr>
-            <a:lvl4pPr marL="1371600" indent="0">
+            <a:lvl4pPr marL="1371566" indent="0">
               <a:buNone/>
               <a:defRPr sz="1000"/>
             </a:lvl4pPr>
-            <a:lvl5pPr marL="1828800" indent="0">
+            <a:lvl5pPr marL="1828754" indent="0">
               <a:buNone/>
               <a:defRPr sz="1000"/>
             </a:lvl5pPr>
-            <a:lvl6pPr marL="2286000" indent="0">
+            <a:lvl6pPr marL="2285943" indent="0">
               <a:buNone/>
               <a:defRPr sz="1000"/>
             </a:lvl6pPr>
-            <a:lvl7pPr marL="2743200" indent="0">
+            <a:lvl7pPr marL="2743131" indent="0">
               <a:buNone/>
               <a:defRPr sz="1000"/>
             </a:lvl7pPr>
-            <a:lvl8pPr marL="3200400" indent="0">
+            <a:lvl8pPr marL="3200320" indent="0">
               <a:buNone/>
               <a:defRPr sz="1000"/>
             </a:lvl8pPr>
-            <a:lvl9pPr marL="3657600" indent="0">
+            <a:lvl9pPr marL="3657509" indent="0">
               <a:buNone/>
               <a:defRPr sz="1000"/>
             </a:lvl9pPr>
@@ -2380,7 +2380,7 @@
           <a:p>
             <a:fld id="{8CC4C0D4-2A08-4AC6-9EC5-EE8D95F1DC48}" type="datetimeFigureOut">
               <a:rPr lang="ko-KR" altLang="en-US" smtClean="0"/>
-              <a:t>2019-06-07</a:t>
+              <a:t>2019-10-13</a:t>
             </a:fld>
             <a:endParaRPr lang="ko-KR" altLang="en-US"/>
           </a:p>
@@ -2525,7 +2525,7 @@
         </p:nvSpPr>
         <p:spPr>
           <a:xfrm>
-            <a:off x="5183188" y="987425"/>
+            <a:off x="5183188" y="987427"/>
             <a:ext cx="6172200" cy="4873625"/>
           </a:xfrm>
         </p:spPr>
@@ -2536,35 +2536,35 @@
               <a:buNone/>
               <a:defRPr sz="3200"/>
             </a:lvl1pPr>
-            <a:lvl2pPr marL="457200" indent="0">
+            <a:lvl2pPr marL="457189" indent="0">
               <a:buNone/>
               <a:defRPr sz="2800"/>
             </a:lvl2pPr>
-            <a:lvl3pPr marL="914400" indent="0">
+            <a:lvl3pPr marL="914377" indent="0">
               <a:buNone/>
               <a:defRPr sz="2400"/>
             </a:lvl3pPr>
-            <a:lvl4pPr marL="1371600" indent="0">
+            <a:lvl4pPr marL="1371566" indent="0">
               <a:buNone/>
               <a:defRPr sz="2000"/>
             </a:lvl4pPr>
-            <a:lvl5pPr marL="1828800" indent="0">
+            <a:lvl5pPr marL="1828754" indent="0">
               <a:buNone/>
               <a:defRPr sz="2000"/>
             </a:lvl5pPr>
-            <a:lvl6pPr marL="2286000" indent="0">
+            <a:lvl6pPr marL="2285943" indent="0">
               <a:buNone/>
               <a:defRPr sz="2000"/>
             </a:lvl6pPr>
-            <a:lvl7pPr marL="2743200" indent="0">
+            <a:lvl7pPr marL="2743131" indent="0">
               <a:buNone/>
               <a:defRPr sz="2000"/>
             </a:lvl7pPr>
-            <a:lvl8pPr marL="3200400" indent="0">
+            <a:lvl8pPr marL="3200320" indent="0">
               <a:buNone/>
               <a:defRPr sz="2000"/>
             </a:lvl8pPr>
-            <a:lvl9pPr marL="3657600" indent="0">
+            <a:lvl9pPr marL="3657509" indent="0">
               <a:buNone/>
               <a:defRPr sz="2000"/>
             </a:lvl9pPr>
@@ -2603,35 +2603,35 @@
               <a:buNone/>
               <a:defRPr sz="1600"/>
             </a:lvl1pPr>
-            <a:lvl2pPr marL="457200" indent="0">
+            <a:lvl2pPr marL="457189" indent="0">
               <a:buNone/>
               <a:defRPr sz="1400"/>
             </a:lvl2pPr>
-            <a:lvl3pPr marL="914400" indent="0">
+            <a:lvl3pPr marL="914377" indent="0">
               <a:buNone/>
               <a:defRPr sz="1200"/>
             </a:lvl3pPr>
-            <a:lvl4pPr marL="1371600" indent="0">
+            <a:lvl4pPr marL="1371566" indent="0">
               <a:buNone/>
               <a:defRPr sz="1000"/>
             </a:lvl4pPr>
-            <a:lvl5pPr marL="1828800" indent="0">
+            <a:lvl5pPr marL="1828754" indent="0">
               <a:buNone/>
               <a:defRPr sz="1000"/>
             </a:lvl5pPr>
-            <a:lvl6pPr marL="2286000" indent="0">
+            <a:lvl6pPr marL="2285943" indent="0">
               <a:buNone/>
               <a:defRPr sz="1000"/>
             </a:lvl6pPr>
-            <a:lvl7pPr marL="2743200" indent="0">
+            <a:lvl7pPr marL="2743131" indent="0">
               <a:buNone/>
               <a:defRPr sz="1000"/>
             </a:lvl7pPr>
-            <a:lvl8pPr marL="3200400" indent="0">
+            <a:lvl8pPr marL="3200320" indent="0">
               <a:buNone/>
               <a:defRPr sz="1000"/>
             </a:lvl8pPr>
-            <a:lvl9pPr marL="3657600" indent="0">
+            <a:lvl9pPr marL="3657509" indent="0">
               <a:buNone/>
               <a:defRPr sz="1000"/>
             </a:lvl9pPr>
@@ -2668,7 +2668,7 @@
           <a:p>
             <a:fld id="{8CC4C0D4-2A08-4AC6-9EC5-EE8D95F1DC48}" type="datetimeFigureOut">
               <a:rPr lang="ko-KR" altLang="en-US" smtClean="0"/>
-              <a:t>2019-06-07</a:t>
+              <a:t>2019-10-13</a:t>
             </a:fld>
             <a:endParaRPr lang="ko-KR" altLang="en-US"/>
           </a:p>
@@ -2781,7 +2781,7 @@
         </p:nvSpPr>
         <p:spPr>
           <a:xfrm>
-            <a:off x="838200" y="365125"/>
+            <a:off x="838200" y="365127"/>
             <a:ext cx="10515600" cy="1325563"/>
           </a:xfrm>
           <a:prstGeom prst="rect">
@@ -2886,7 +2886,7 @@
         </p:nvSpPr>
         <p:spPr>
           <a:xfrm>
-            <a:off x="838200" y="6356350"/>
+            <a:off x="838200" y="6356352"/>
             <a:ext cx="2743200" cy="365125"/>
           </a:xfrm>
           <a:prstGeom prst="rect">
@@ -2909,7 +2909,7 @@
           <a:p>
             <a:fld id="{8CC4C0D4-2A08-4AC6-9EC5-EE8D95F1DC48}" type="datetimeFigureOut">
               <a:rPr lang="ko-KR" altLang="en-US" smtClean="0"/>
-              <a:t>2019-06-07</a:t>
+              <a:t>2019-10-13</a:t>
             </a:fld>
             <a:endParaRPr lang="ko-KR" altLang="en-US"/>
           </a:p>
@@ -2933,7 +2933,7 @@
         </p:nvSpPr>
         <p:spPr>
           <a:xfrm>
-            <a:off x="4038600" y="6356350"/>
+            <a:off x="4038600" y="6356352"/>
             <a:ext cx="4114800" cy="365125"/>
           </a:xfrm>
           <a:prstGeom prst="rect">
@@ -2976,7 +2976,7 @@
         </p:nvSpPr>
         <p:spPr>
           <a:xfrm>
-            <a:off x="8610600" y="6356350"/>
+            <a:off x="8610600" y="6356352"/>
             <a:ext cx="2743200" cy="365125"/>
           </a:xfrm>
           <a:prstGeom prst="rect">
@@ -3028,7 +3028,7 @@
   </p:sldLayoutIdLst>
   <p:txStyles>
     <p:titleStyle>
-      <a:lvl1pPr algn="l" defTabSz="914400" rtl="0" eaLnBrk="1" latinLnBrk="1" hangingPunct="1">
+      <a:lvl1pPr algn="l" defTabSz="914377" rtl="0" eaLnBrk="1" latinLnBrk="1" hangingPunct="1">
         <a:lnSpc>
           <a:spcPct val="90000"/>
         </a:lnSpc>
@@ -3047,7 +3047,7 @@
       </a:lvl1pPr>
     </p:titleStyle>
     <p:bodyStyle>
-      <a:lvl1pPr marL="228600" indent="-228600" algn="l" defTabSz="914400" rtl="0" eaLnBrk="1" latinLnBrk="1" hangingPunct="1">
+      <a:lvl1pPr marL="228594" indent="-228594" algn="l" defTabSz="914377" rtl="0" eaLnBrk="1" latinLnBrk="1" hangingPunct="1">
         <a:lnSpc>
           <a:spcPct val="90000"/>
         </a:lnSpc>
@@ -3065,7 +3065,7 @@
           <a:cs typeface="+mn-cs"/>
         </a:defRPr>
       </a:lvl1pPr>
-      <a:lvl2pPr marL="685800" indent="-228600" algn="l" defTabSz="914400" rtl="0" eaLnBrk="1" latinLnBrk="1" hangingPunct="1">
+      <a:lvl2pPr marL="685783" indent="-228594" algn="l" defTabSz="914377" rtl="0" eaLnBrk="1" latinLnBrk="1" hangingPunct="1">
         <a:lnSpc>
           <a:spcPct val="90000"/>
         </a:lnSpc>
@@ -3083,7 +3083,7 @@
           <a:cs typeface="+mn-cs"/>
         </a:defRPr>
       </a:lvl2pPr>
-      <a:lvl3pPr marL="1143000" indent="-228600" algn="l" defTabSz="914400" rtl="0" eaLnBrk="1" latinLnBrk="1" hangingPunct="1">
+      <a:lvl3pPr marL="1142971" indent="-228594" algn="l" defTabSz="914377" rtl="0" eaLnBrk="1" latinLnBrk="1" hangingPunct="1">
         <a:lnSpc>
           <a:spcPct val="90000"/>
         </a:lnSpc>
@@ -3101,7 +3101,7 @@
           <a:cs typeface="+mn-cs"/>
         </a:defRPr>
       </a:lvl3pPr>
-      <a:lvl4pPr marL="1600200" indent="-228600" algn="l" defTabSz="914400" rtl="0" eaLnBrk="1" latinLnBrk="1" hangingPunct="1">
+      <a:lvl4pPr marL="1600160" indent="-228594" algn="l" defTabSz="914377" rtl="0" eaLnBrk="1" latinLnBrk="1" hangingPunct="1">
         <a:lnSpc>
           <a:spcPct val="90000"/>
         </a:lnSpc>
@@ -3119,7 +3119,7 @@
           <a:cs typeface="+mn-cs"/>
         </a:defRPr>
       </a:lvl4pPr>
-      <a:lvl5pPr marL="2057400" indent="-228600" algn="l" defTabSz="914400" rtl="0" eaLnBrk="1" latinLnBrk="1" hangingPunct="1">
+      <a:lvl5pPr marL="2057349" indent="-228594" algn="l" defTabSz="914377" rtl="0" eaLnBrk="1" latinLnBrk="1" hangingPunct="1">
         <a:lnSpc>
           <a:spcPct val="90000"/>
         </a:lnSpc>
@@ -3137,7 +3137,7 @@
           <a:cs typeface="+mn-cs"/>
         </a:defRPr>
       </a:lvl5pPr>
-      <a:lvl6pPr marL="2514600" indent="-228600" algn="l" defTabSz="914400" rtl="0" eaLnBrk="1" latinLnBrk="1" hangingPunct="1">
+      <a:lvl6pPr marL="2514537" indent="-228594" algn="l" defTabSz="914377" rtl="0" eaLnBrk="1" latinLnBrk="1" hangingPunct="1">
         <a:lnSpc>
           <a:spcPct val="90000"/>
         </a:lnSpc>
@@ -3155,7 +3155,7 @@
           <a:cs typeface="+mn-cs"/>
         </a:defRPr>
       </a:lvl6pPr>
-      <a:lvl7pPr marL="2971800" indent="-228600" algn="l" defTabSz="914400" rtl="0" eaLnBrk="1" latinLnBrk="1" hangingPunct="1">
+      <a:lvl7pPr marL="2971726" indent="-228594" algn="l" defTabSz="914377" rtl="0" eaLnBrk="1" latinLnBrk="1" hangingPunct="1">
         <a:lnSpc>
           <a:spcPct val="90000"/>
         </a:lnSpc>
@@ -3173,7 +3173,7 @@
           <a:cs typeface="+mn-cs"/>
         </a:defRPr>
       </a:lvl7pPr>
-      <a:lvl8pPr marL="3429000" indent="-228600" algn="l" defTabSz="914400" rtl="0" eaLnBrk="1" latinLnBrk="1" hangingPunct="1">
+      <a:lvl8pPr marL="3428914" indent="-228594" algn="l" defTabSz="914377" rtl="0" eaLnBrk="1" latinLnBrk="1" hangingPunct="1">
         <a:lnSpc>
           <a:spcPct val="90000"/>
         </a:lnSpc>
@@ -3191,7 +3191,7 @@
           <a:cs typeface="+mn-cs"/>
         </a:defRPr>
       </a:lvl8pPr>
-      <a:lvl9pPr marL="3886200" indent="-228600" algn="l" defTabSz="914400" rtl="0" eaLnBrk="1" latinLnBrk="1" hangingPunct="1">
+      <a:lvl9pPr marL="3886103" indent="-228594" algn="l" defTabSz="914377" rtl="0" eaLnBrk="1" latinLnBrk="1" hangingPunct="1">
         <a:lnSpc>
           <a:spcPct val="90000"/>
         </a:lnSpc>
@@ -3214,7 +3214,7 @@
       <a:defPPr>
         <a:defRPr lang="ko-KR"/>
       </a:defPPr>
-      <a:lvl1pPr marL="0" algn="l" defTabSz="914400" rtl="0" eaLnBrk="1" latinLnBrk="1" hangingPunct="1">
+      <a:lvl1pPr marL="0" algn="l" defTabSz="914377" rtl="0" eaLnBrk="1" latinLnBrk="1" hangingPunct="1">
         <a:defRPr sz="1800" kern="1200">
           <a:solidFill>
             <a:schemeClr val="tx1"/>
@@ -3224,7 +3224,7 @@
           <a:cs typeface="+mn-cs"/>
         </a:defRPr>
       </a:lvl1pPr>
-      <a:lvl2pPr marL="457200" algn="l" defTabSz="914400" rtl="0" eaLnBrk="1" latinLnBrk="1" hangingPunct="1">
+      <a:lvl2pPr marL="457189" algn="l" defTabSz="914377" rtl="0" eaLnBrk="1" latinLnBrk="1" hangingPunct="1">
         <a:defRPr sz="1800" kern="1200">
           <a:solidFill>
             <a:schemeClr val="tx1"/>
@@ -3234,7 +3234,7 @@
           <a:cs typeface="+mn-cs"/>
         </a:defRPr>
       </a:lvl2pPr>
-      <a:lvl3pPr marL="914400" algn="l" defTabSz="914400" rtl="0" eaLnBrk="1" latinLnBrk="1" hangingPunct="1">
+      <a:lvl3pPr marL="914377" algn="l" defTabSz="914377" rtl="0" eaLnBrk="1" latinLnBrk="1" hangingPunct="1">
         <a:defRPr sz="1800" kern="1200">
           <a:solidFill>
             <a:schemeClr val="tx1"/>
@@ -3244,7 +3244,7 @@
           <a:cs typeface="+mn-cs"/>
         </a:defRPr>
       </a:lvl3pPr>
-      <a:lvl4pPr marL="1371600" algn="l" defTabSz="914400" rtl="0" eaLnBrk="1" latinLnBrk="1" hangingPunct="1">
+      <a:lvl4pPr marL="1371566" algn="l" defTabSz="914377" rtl="0" eaLnBrk="1" latinLnBrk="1" hangingPunct="1">
         <a:defRPr sz="1800" kern="1200">
           <a:solidFill>
             <a:schemeClr val="tx1"/>
@@ -3254,7 +3254,7 @@
           <a:cs typeface="+mn-cs"/>
         </a:defRPr>
       </a:lvl4pPr>
-      <a:lvl5pPr marL="1828800" algn="l" defTabSz="914400" rtl="0" eaLnBrk="1" latinLnBrk="1" hangingPunct="1">
+      <a:lvl5pPr marL="1828754" algn="l" defTabSz="914377" rtl="0" eaLnBrk="1" latinLnBrk="1" hangingPunct="1">
         <a:defRPr sz="1800" kern="1200">
           <a:solidFill>
             <a:schemeClr val="tx1"/>
@@ -3264,7 +3264,7 @@
           <a:cs typeface="+mn-cs"/>
         </a:defRPr>
       </a:lvl5pPr>
-      <a:lvl6pPr marL="2286000" algn="l" defTabSz="914400" rtl="0" eaLnBrk="1" latinLnBrk="1" hangingPunct="1">
+      <a:lvl6pPr marL="2285943" algn="l" defTabSz="914377" rtl="0" eaLnBrk="1" latinLnBrk="1" hangingPunct="1">
         <a:defRPr sz="1800" kern="1200">
           <a:solidFill>
             <a:schemeClr val="tx1"/>
@@ -3274,7 +3274,7 @@
           <a:cs typeface="+mn-cs"/>
         </a:defRPr>
       </a:lvl6pPr>
-      <a:lvl7pPr marL="2743200" algn="l" defTabSz="914400" rtl="0" eaLnBrk="1" latinLnBrk="1" hangingPunct="1">
+      <a:lvl7pPr marL="2743131" algn="l" defTabSz="914377" rtl="0" eaLnBrk="1" latinLnBrk="1" hangingPunct="1">
         <a:defRPr sz="1800" kern="1200">
           <a:solidFill>
             <a:schemeClr val="tx1"/>
@@ -3284,7 +3284,7 @@
           <a:cs typeface="+mn-cs"/>
         </a:defRPr>
       </a:lvl7pPr>
-      <a:lvl8pPr marL="3200400" algn="l" defTabSz="914400" rtl="0" eaLnBrk="1" latinLnBrk="1" hangingPunct="1">
+      <a:lvl8pPr marL="3200320" algn="l" defTabSz="914377" rtl="0" eaLnBrk="1" latinLnBrk="1" hangingPunct="1">
         <a:defRPr sz="1800" kern="1200">
           <a:solidFill>
             <a:schemeClr val="tx1"/>
@@ -3294,7 +3294,7 @@
           <a:cs typeface="+mn-cs"/>
         </a:defRPr>
       </a:lvl8pPr>
-      <a:lvl9pPr marL="3657600" algn="l" defTabSz="914400" rtl="0" eaLnBrk="1" latinLnBrk="1" hangingPunct="1">
+      <a:lvl9pPr marL="3657509" algn="l" defTabSz="914377" rtl="0" eaLnBrk="1" latinLnBrk="1" hangingPunct="1">
         <a:defRPr sz="1800" kern="1200">
           <a:solidFill>
             <a:schemeClr val="tx1"/>
@@ -3340,7 +3340,7 @@
         </p:nvSpPr>
         <p:spPr>
           <a:xfrm>
-            <a:off x="396774" y="499253"/>
+            <a:off x="396775" y="499253"/>
             <a:ext cx="1250731" cy="553651"/>
           </a:xfrm>
           <a:prstGeom prst="rect">
@@ -3406,8 +3406,8 @@
         </p:nvSpPr>
         <p:spPr>
           <a:xfrm>
-            <a:off x="396773" y="1538736"/>
-            <a:ext cx="1250731" cy="283238"/>
+            <a:off x="396773" y="1538737"/>
+            <a:ext cx="1250731" cy="283239"/>
           </a:xfrm>
           <a:prstGeom prst="rect">
             <a:avLst/>
@@ -3472,7 +3472,7 @@
         </p:nvSpPr>
         <p:spPr>
           <a:xfrm>
-            <a:off x="396773" y="2021918"/>
+            <a:off x="396773" y="2021919"/>
             <a:ext cx="1250731" cy="553651"/>
           </a:xfrm>
           <a:prstGeom prst="rect">
@@ -3540,7 +3540,7 @@
         </p:nvCxnSpPr>
         <p:spPr>
           <a:xfrm flipV="1">
-            <a:off x="1022139" y="1821974"/>
+            <a:off x="1022139" y="1821975"/>
             <a:ext cx="0" cy="191816"/>
           </a:xfrm>
           <a:prstGeom prst="straightConnector1">
@@ -3548,8 +3548,9 @@
           </a:prstGeom>
           <a:ln>
             <a:solidFill>
-              <a:schemeClr val="tx1"/>
-            </a:solidFill>
+              <a:srgbClr val="0070C0"/>
+            </a:solidFill>
+            <a:headEnd type="none"/>
             <a:tailEnd type="triangle"/>
           </a:ln>
         </p:spPr>
@@ -3592,8 +3593,9 @@
           </a:prstGeom>
           <a:ln>
             <a:solidFill>
-              <a:schemeClr val="tx1"/>
-            </a:solidFill>
+              <a:srgbClr val="0070C0"/>
+            </a:solidFill>
+            <a:headEnd type="none"/>
             <a:tailEnd type="triangle"/>
           </a:ln>
         </p:spPr>
@@ -3628,7 +3630,7 @@
         </p:nvCxnSpPr>
         <p:spPr>
           <a:xfrm flipV="1">
-            <a:off x="1413650" y="1820660"/>
+            <a:off x="1413651" y="1820660"/>
             <a:ext cx="0" cy="191816"/>
           </a:xfrm>
           <a:prstGeom prst="straightConnector1">
@@ -3636,8 +3638,9 @@
           </a:prstGeom>
           <a:ln>
             <a:solidFill>
-              <a:schemeClr val="tx1"/>
-            </a:solidFill>
+              <a:srgbClr val="0070C0"/>
+            </a:solidFill>
+            <a:headEnd type="none"/>
             <a:tailEnd type="triangle"/>
           </a:ln>
         </p:spPr>
@@ -3680,8 +3683,9 @@
           </a:prstGeom>
           <a:ln>
             <a:solidFill>
-              <a:schemeClr val="tx1"/>
-            </a:solidFill>
+              <a:srgbClr val="0070C0"/>
+            </a:solidFill>
+            <a:headEnd type="none"/>
             <a:tailEnd type="triangle"/>
           </a:ln>
         </p:spPr>
@@ -3724,8 +3728,9 @@
           </a:prstGeom>
           <a:ln>
             <a:solidFill>
-              <a:schemeClr val="tx1"/>
-            </a:solidFill>
+              <a:srgbClr val="0070C0"/>
+            </a:solidFill>
+            <a:headEnd type="none"/>
             <a:tailEnd type="triangle"/>
           </a:ln>
         </p:spPr>
@@ -3762,7 +3767,7 @@
         </p:nvCxnSpPr>
         <p:spPr>
           <a:xfrm>
-            <a:off x="1647505" y="776079"/>
+            <a:off x="1647506" y="776079"/>
             <a:ext cx="625365" cy="0"/>
           </a:xfrm>
           <a:prstGeom prst="straightConnector1">
@@ -3770,7 +3775,7 @@
           </a:prstGeom>
           <a:ln>
             <a:solidFill>
-              <a:schemeClr val="tx1"/>
+              <a:srgbClr val="FF0000"/>
             </a:solidFill>
             <a:tailEnd type="triangle"/>
           </a:ln>
@@ -3804,7 +3809,7 @@
         </p:nvSpPr>
         <p:spPr>
           <a:xfrm>
-            <a:off x="2272870" y="499253"/>
+            <a:off x="2272871" y="499253"/>
             <a:ext cx="1250731" cy="553651"/>
           </a:xfrm>
           <a:prstGeom prst="rect">
@@ -3870,8 +3875,8 @@
         </p:nvSpPr>
         <p:spPr>
           <a:xfrm>
-            <a:off x="2272869" y="1538736"/>
-            <a:ext cx="1250731" cy="283238"/>
+            <a:off x="2272869" y="1538737"/>
+            <a:ext cx="1250731" cy="283239"/>
           </a:xfrm>
           <a:prstGeom prst="rect">
             <a:avLst/>
@@ -3940,7 +3945,7 @@
         </p:nvCxnSpPr>
         <p:spPr>
           <a:xfrm flipH="1" flipV="1">
-            <a:off x="2896318" y="1391437"/>
+            <a:off x="2896319" y="1391437"/>
             <a:ext cx="1917" cy="147299"/>
           </a:xfrm>
           <a:prstGeom prst="straightConnector1">
@@ -3984,7 +3989,7 @@
         </p:nvCxnSpPr>
         <p:spPr>
           <a:xfrm flipV="1">
-            <a:off x="2898235" y="1821974"/>
+            <a:off x="2898235" y="1821975"/>
             <a:ext cx="0" cy="191816"/>
           </a:xfrm>
           <a:prstGeom prst="straightConnector1">
@@ -3992,8 +3997,9 @@
           </a:prstGeom>
           <a:ln>
             <a:solidFill>
-              <a:schemeClr val="tx1"/>
-            </a:solidFill>
+              <a:srgbClr val="0070C0"/>
+            </a:solidFill>
+            <a:headEnd type="none"/>
             <a:tailEnd type="triangle"/>
           </a:ln>
         </p:spPr>
@@ -4036,8 +4042,9 @@
           </a:prstGeom>
           <a:ln>
             <a:solidFill>
-              <a:schemeClr val="tx1"/>
-            </a:solidFill>
+              <a:srgbClr val="0070C0"/>
+            </a:solidFill>
+            <a:headEnd type="none"/>
             <a:tailEnd type="triangle"/>
           </a:ln>
         </p:spPr>
@@ -4072,7 +4079,7 @@
         </p:nvCxnSpPr>
         <p:spPr>
           <a:xfrm flipV="1">
-            <a:off x="3289746" y="1820660"/>
+            <a:off x="3289747" y="1820660"/>
             <a:ext cx="0" cy="191816"/>
           </a:xfrm>
           <a:prstGeom prst="straightConnector1">
@@ -4080,8 +4087,9 @@
           </a:prstGeom>
           <a:ln>
             <a:solidFill>
-              <a:schemeClr val="tx1"/>
-            </a:solidFill>
+              <a:srgbClr val="0070C0"/>
+            </a:solidFill>
+            <a:headEnd type="none"/>
             <a:tailEnd type="triangle"/>
           </a:ln>
         </p:spPr>
@@ -4124,8 +4132,9 @@
           </a:prstGeom>
           <a:ln>
             <a:solidFill>
-              <a:schemeClr val="tx1"/>
-            </a:solidFill>
+              <a:srgbClr val="0070C0"/>
+            </a:solidFill>
+            <a:headEnd type="none"/>
             <a:tailEnd type="triangle"/>
           </a:ln>
         </p:spPr>
@@ -4168,8 +4177,9 @@
           </a:prstGeom>
           <a:ln>
             <a:solidFill>
-              <a:schemeClr val="tx1"/>
-            </a:solidFill>
+              <a:srgbClr val="0070C0"/>
+            </a:solidFill>
+            <a:headEnd type="none"/>
             <a:tailEnd type="triangle"/>
           </a:ln>
         </p:spPr>
@@ -4204,15 +4214,15 @@
         </p:nvCxnSpPr>
         <p:spPr>
           <a:xfrm>
-            <a:off x="1923403" y="773311"/>
-            <a:ext cx="0" cy="906735"/>
+            <a:off x="1923403" y="770860"/>
+            <a:ext cx="0" cy="909188"/>
           </a:xfrm>
           <a:prstGeom prst="line">
             <a:avLst/>
           </a:prstGeom>
           <a:ln>
             <a:solidFill>
-              <a:schemeClr val="tx1"/>
+              <a:srgbClr val="FF0000"/>
             </a:solidFill>
           </a:ln>
         </p:spPr>
@@ -4249,14 +4259,14 @@
         <p:spPr>
           <a:xfrm>
             <a:off x="1923403" y="1680355"/>
-            <a:ext cx="349466" cy="0"/>
+            <a:ext cx="349467" cy="0"/>
           </a:xfrm>
           <a:prstGeom prst="straightConnector1">
             <a:avLst/>
           </a:prstGeom>
           <a:ln>
             <a:solidFill>
-              <a:schemeClr val="tx1"/>
+              <a:srgbClr val="FF0000"/>
             </a:solidFill>
             <a:tailEnd type="triangle"/>
           </a:ln>
@@ -4290,7 +4300,7 @@
         </p:nvSpPr>
         <p:spPr>
           <a:xfrm>
-            <a:off x="5517972" y="1070765"/>
+            <a:off x="5517972" y="1070766"/>
             <a:ext cx="599085" cy="461665"/>
           </a:xfrm>
           <a:prstGeom prst="rect">
@@ -4339,7 +4349,7 @@
           </a:prstGeom>
           <a:ln>
             <a:solidFill>
-              <a:schemeClr val="tx1"/>
+              <a:srgbClr val="FF0000"/>
             </a:solidFill>
             <a:tailEnd type="triangle"/>
           </a:ln>
@@ -4373,7 +4383,7 @@
         </p:nvSpPr>
         <p:spPr>
           <a:xfrm>
-            <a:off x="8368880" y="499253"/>
+            <a:off x="8368881" y="499254"/>
             <a:ext cx="1250731" cy="543212"/>
           </a:xfrm>
           <a:prstGeom prst="rect">
@@ -4439,7 +4449,7 @@
         </p:nvSpPr>
         <p:spPr>
           <a:xfrm>
-            <a:off x="8368879" y="1534282"/>
+            <a:off x="8368880" y="1534283"/>
             <a:ext cx="1250731" cy="287692"/>
           </a:xfrm>
           <a:prstGeom prst="rect">
@@ -4507,7 +4517,7 @@
         </p:nvCxnSpPr>
         <p:spPr>
           <a:xfrm flipV="1">
-            <a:off x="8994245" y="1821974"/>
+            <a:off x="8994245" y="1821975"/>
             <a:ext cx="0" cy="191816"/>
           </a:xfrm>
           <a:prstGeom prst="straightConnector1">
@@ -4515,8 +4525,9 @@
           </a:prstGeom>
           <a:ln>
             <a:solidFill>
-              <a:schemeClr val="tx1"/>
-            </a:solidFill>
+              <a:srgbClr val="0070C0"/>
+            </a:solidFill>
+            <a:headEnd type="none"/>
             <a:tailEnd type="triangle"/>
           </a:ln>
         </p:spPr>
@@ -4551,7 +4562,7 @@
         </p:nvCxnSpPr>
         <p:spPr>
           <a:xfrm flipV="1">
-            <a:off x="9193942" y="1820660"/>
+            <a:off x="9193943" y="1820660"/>
             <a:ext cx="0" cy="191816"/>
           </a:xfrm>
           <a:prstGeom prst="straightConnector1">
@@ -4559,8 +4570,9 @@
           </a:prstGeom>
           <a:ln>
             <a:solidFill>
-              <a:schemeClr val="tx1"/>
-            </a:solidFill>
+              <a:srgbClr val="0070C0"/>
+            </a:solidFill>
+            <a:headEnd type="none"/>
             <a:tailEnd type="triangle"/>
           </a:ln>
         </p:spPr>
@@ -4603,8 +4615,9 @@
           </a:prstGeom>
           <a:ln>
             <a:solidFill>
-              <a:schemeClr val="tx1"/>
-            </a:solidFill>
+              <a:srgbClr val="0070C0"/>
+            </a:solidFill>
+            <a:headEnd type="none"/>
             <a:tailEnd type="triangle"/>
           </a:ln>
         </p:spPr>
@@ -4647,8 +4660,9 @@
           </a:prstGeom>
           <a:ln>
             <a:solidFill>
-              <a:schemeClr val="tx1"/>
-            </a:solidFill>
+              <a:srgbClr val="0070C0"/>
+            </a:solidFill>
+            <a:headEnd type="none"/>
             <a:tailEnd type="triangle"/>
           </a:ln>
         </p:spPr>
@@ -4691,8 +4705,9 @@
           </a:prstGeom>
           <a:ln>
             <a:solidFill>
-              <a:schemeClr val="tx1"/>
-            </a:solidFill>
+              <a:srgbClr val="0070C0"/>
+            </a:solidFill>
+            <a:headEnd type="none"/>
             <a:tailEnd type="triangle"/>
           </a:ln>
         </p:spPr>
@@ -4727,7 +4742,7 @@
         </p:nvCxnSpPr>
         <p:spPr>
           <a:xfrm>
-            <a:off x="8019413" y="821132"/>
+            <a:off x="8019413" y="821133"/>
             <a:ext cx="0" cy="850689"/>
           </a:xfrm>
           <a:prstGeom prst="line">
@@ -4735,7 +4750,7 @@
           </a:prstGeom>
           <a:ln>
             <a:solidFill>
-              <a:schemeClr val="tx1"/>
+              <a:srgbClr val="FF0000"/>
             </a:solidFill>
           </a:ln>
         </p:spPr>
@@ -4771,15 +4786,15 @@
         </p:nvCxnSpPr>
         <p:spPr>
           <a:xfrm>
-            <a:off x="8019413" y="1678127"/>
-            <a:ext cx="349466" cy="1"/>
+            <a:off x="8019413" y="1678129"/>
+            <a:ext cx="349467" cy="1"/>
           </a:xfrm>
           <a:prstGeom prst="straightConnector1">
             <a:avLst/>
           </a:prstGeom>
           <a:ln>
             <a:solidFill>
-              <a:schemeClr val="tx1"/>
+              <a:srgbClr val="FF0000"/>
             </a:solidFill>
             <a:tailEnd type="triangle"/>
           </a:ln>
@@ -4814,7 +4829,7 @@
         <p:spPr>
           <a:xfrm>
             <a:off x="2104705" y="425683"/>
-            <a:ext cx="1605443" cy="2316718"/>
+            <a:ext cx="1605443" cy="2316719"/>
           </a:xfrm>
           <a:prstGeom prst="roundRect">
             <a:avLst/>
@@ -4866,8 +4881,8 @@
         </p:nvSpPr>
         <p:spPr>
           <a:xfrm>
-            <a:off x="3792942" y="2725941"/>
-            <a:ext cx="7952357" cy="4053230"/>
+            <a:off x="3792943" y="2725942"/>
+            <a:ext cx="7952357" cy="4053231"/>
           </a:xfrm>
           <a:prstGeom prst="roundRect">
             <a:avLst/>
@@ -4919,7 +4934,7 @@
         </p:nvSpPr>
         <p:spPr>
           <a:xfrm>
-            <a:off x="7359063" y="2795606"/>
+            <a:off x="7359064" y="2795607"/>
             <a:ext cx="1250731" cy="510864"/>
           </a:xfrm>
           <a:prstGeom prst="rect">
@@ -4983,8 +4998,8 @@
         </p:nvSpPr>
         <p:spPr>
           <a:xfrm>
-            <a:off x="4849874" y="6074982"/>
-            <a:ext cx="820464" cy="257510"/>
+            <a:off x="4849875" y="6074982"/>
+            <a:ext cx="820464" cy="257511"/>
           </a:xfrm>
           <a:prstGeom prst="rect">
             <a:avLst/>
@@ -5047,7 +5062,7 @@
         </p:nvSpPr>
         <p:spPr>
           <a:xfrm>
-            <a:off x="4849874" y="5825350"/>
+            <a:off x="4849875" y="5825352"/>
             <a:ext cx="820464" cy="254889"/>
           </a:xfrm>
           <a:prstGeom prst="rect">
@@ -5113,15 +5128,15 @@
         </p:nvCxnSpPr>
         <p:spPr>
           <a:xfrm flipV="1">
-            <a:off x="5184236" y="5651944"/>
-            <a:ext cx="0" cy="173406"/>
+            <a:off x="5184236" y="5651945"/>
+            <a:ext cx="0" cy="173407"/>
           </a:xfrm>
           <a:prstGeom prst="straightConnector1">
             <a:avLst/>
           </a:prstGeom>
           <a:ln>
             <a:solidFill>
-              <a:schemeClr val="tx1"/>
+              <a:schemeClr val="accent1"/>
             </a:solidFill>
             <a:tailEnd type="triangle"/>
           </a:ln>
@@ -5157,15 +5172,15 @@
         </p:nvCxnSpPr>
         <p:spPr>
           <a:xfrm flipV="1">
-            <a:off x="5315613" y="5651944"/>
-            <a:ext cx="0" cy="423038"/>
+            <a:off x="5315613" y="5651945"/>
+            <a:ext cx="0" cy="423039"/>
           </a:xfrm>
           <a:prstGeom prst="straightConnector1">
             <a:avLst/>
           </a:prstGeom>
           <a:ln>
             <a:solidFill>
-              <a:schemeClr val="tx1"/>
+              <a:schemeClr val="accent1"/>
             </a:solidFill>
             <a:tailEnd type="triangle"/>
           </a:ln>
@@ -5199,8 +5214,8 @@
         </p:nvSpPr>
         <p:spPr>
           <a:xfrm>
-            <a:off x="4950379" y="5494290"/>
-            <a:ext cx="604358" cy="150812"/>
+            <a:off x="4950379" y="5494291"/>
+            <a:ext cx="604359" cy="150812"/>
           </a:xfrm>
           <a:prstGeom prst="rect">
             <a:avLst/>
@@ -5265,15 +5280,15 @@
         </p:nvCxnSpPr>
         <p:spPr>
           <a:xfrm flipV="1">
-            <a:off x="5322408" y="5065620"/>
-            <a:ext cx="0" cy="428670"/>
+            <a:off x="5322408" y="5065621"/>
+            <a:ext cx="0" cy="428671"/>
           </a:xfrm>
           <a:prstGeom prst="straightConnector1">
             <a:avLst/>
           </a:prstGeom>
           <a:ln>
             <a:solidFill>
-              <a:schemeClr val="tx1"/>
+              <a:schemeClr val="accent1"/>
             </a:solidFill>
             <a:tailEnd type="triangle"/>
           </a:ln>
@@ -5307,7 +5322,7 @@
         </p:nvSpPr>
         <p:spPr>
           <a:xfrm>
-            <a:off x="4857757" y="4474770"/>
+            <a:off x="4857757" y="4474772"/>
             <a:ext cx="820464" cy="254889"/>
           </a:xfrm>
           <a:prstGeom prst="rect">
@@ -5373,7 +5388,7 @@
         </p:nvCxnSpPr>
         <p:spPr>
           <a:xfrm>
-            <a:off x="5867418" y="821132"/>
+            <a:off x="5867419" y="821132"/>
             <a:ext cx="614856" cy="0"/>
           </a:xfrm>
           <a:prstGeom prst="straightConnector1">
@@ -5381,7 +5396,7 @@
           </a:prstGeom>
           <a:ln>
             <a:solidFill>
-              <a:schemeClr val="tx1"/>
+              <a:srgbClr val="FF0000"/>
             </a:solidFill>
             <a:tailEnd type="triangle"/>
           </a:ln>
@@ -5415,7 +5430,7 @@
         </p:nvSpPr>
         <p:spPr>
           <a:xfrm>
-            <a:off x="6492783" y="499253"/>
+            <a:off x="6492784" y="499254"/>
             <a:ext cx="1250731" cy="543212"/>
           </a:xfrm>
           <a:prstGeom prst="rect">
@@ -5481,7 +5496,7 @@
         </p:nvSpPr>
         <p:spPr>
           <a:xfrm>
-            <a:off x="6492782" y="1534282"/>
+            <a:off x="6492783" y="1534283"/>
             <a:ext cx="1250731" cy="287692"/>
           </a:xfrm>
           <a:prstGeom prst="rect">
@@ -5549,7 +5564,7 @@
         </p:nvCxnSpPr>
         <p:spPr>
           <a:xfrm flipV="1">
-            <a:off x="7118148" y="1821974"/>
+            <a:off x="7118148" y="1821975"/>
             <a:ext cx="0" cy="191816"/>
           </a:xfrm>
           <a:prstGeom prst="straightConnector1">
@@ -5557,8 +5572,9 @@
           </a:prstGeom>
           <a:ln>
             <a:solidFill>
-              <a:schemeClr val="tx1"/>
-            </a:solidFill>
+              <a:srgbClr val="0070C0"/>
+            </a:solidFill>
+            <a:headEnd type="none"/>
             <a:tailEnd type="triangle"/>
           </a:ln>
         </p:spPr>
@@ -5601,8 +5617,9 @@
           </a:prstGeom>
           <a:ln>
             <a:solidFill>
-              <a:schemeClr val="tx1"/>
-            </a:solidFill>
+              <a:srgbClr val="0070C0"/>
+            </a:solidFill>
+            <a:headEnd type="none"/>
             <a:tailEnd type="triangle"/>
           </a:ln>
         </p:spPr>
@@ -5645,8 +5662,9 @@
           </a:prstGeom>
           <a:ln>
             <a:solidFill>
-              <a:schemeClr val="tx1"/>
-            </a:solidFill>
+              <a:srgbClr val="0070C0"/>
+            </a:solidFill>
+            <a:headEnd type="none"/>
             <a:tailEnd type="triangle"/>
           </a:ln>
         </p:spPr>
@@ -5689,8 +5707,9 @@
           </a:prstGeom>
           <a:ln>
             <a:solidFill>
-              <a:schemeClr val="tx1"/>
-            </a:solidFill>
+              <a:srgbClr val="0070C0"/>
+            </a:solidFill>
+            <a:headEnd type="none"/>
             <a:tailEnd type="triangle"/>
           </a:ln>
         </p:spPr>
@@ -5725,7 +5744,7 @@
         </p:nvCxnSpPr>
         <p:spPr>
           <a:xfrm flipV="1">
-            <a:off x="6928962" y="1820660"/>
+            <a:off x="6928963" y="1820660"/>
             <a:ext cx="0" cy="191816"/>
           </a:xfrm>
           <a:prstGeom prst="straightConnector1">
@@ -5733,8 +5752,9 @@
           </a:prstGeom>
           <a:ln>
             <a:solidFill>
-              <a:schemeClr val="tx1"/>
-            </a:solidFill>
+              <a:srgbClr val="0070C0"/>
+            </a:solidFill>
+            <a:headEnd type="none"/>
             <a:tailEnd type="triangle"/>
           </a:ln>
         </p:spPr>
@@ -5769,7 +5789,7 @@
         </p:nvCxnSpPr>
         <p:spPr>
           <a:xfrm>
-            <a:off x="6143316" y="821132"/>
+            <a:off x="6143316" y="821133"/>
             <a:ext cx="0" cy="850689"/>
           </a:xfrm>
           <a:prstGeom prst="line">
@@ -5777,7 +5797,7 @@
           </a:prstGeom>
           <a:ln>
             <a:solidFill>
-              <a:schemeClr val="tx1"/>
+              <a:srgbClr val="FF0000"/>
             </a:solidFill>
           </a:ln>
         </p:spPr>
@@ -5813,15 +5833,15 @@
         </p:nvCxnSpPr>
         <p:spPr>
           <a:xfrm>
-            <a:off x="6143316" y="1678127"/>
-            <a:ext cx="349466" cy="1"/>
+            <a:off x="6143316" y="1678129"/>
+            <a:ext cx="349467" cy="1"/>
           </a:xfrm>
           <a:prstGeom prst="straightConnector1">
             <a:avLst/>
           </a:prstGeom>
           <a:ln>
             <a:solidFill>
-              <a:schemeClr val="tx1"/>
+              <a:srgbClr val="FF0000"/>
             </a:solidFill>
             <a:tailEnd type="triangle"/>
           </a:ln>
@@ -5860,14 +5880,14 @@
         <p:spPr>
           <a:xfrm flipV="1">
             <a:off x="3523601" y="773311"/>
-            <a:ext cx="614866" cy="2768"/>
+            <a:ext cx="614867" cy="2768"/>
           </a:xfrm>
           <a:prstGeom prst="straightConnector1">
             <a:avLst/>
           </a:prstGeom>
           <a:ln>
             <a:solidFill>
-              <a:schemeClr val="tx1"/>
+              <a:srgbClr val="FF0000"/>
             </a:solidFill>
             <a:tailEnd type="triangle"/>
           </a:ln>
@@ -5901,7 +5921,7 @@
         </p:nvSpPr>
         <p:spPr>
           <a:xfrm>
-            <a:off x="4138467" y="499253"/>
+            <a:off x="4138468" y="499253"/>
             <a:ext cx="1250731" cy="548115"/>
           </a:xfrm>
           <a:prstGeom prst="rect">
@@ -5967,7 +5987,7 @@
         </p:nvSpPr>
         <p:spPr>
           <a:xfrm>
-            <a:off x="4138466" y="1538118"/>
+            <a:off x="4138467" y="1538119"/>
             <a:ext cx="1250731" cy="283856"/>
           </a:xfrm>
           <a:prstGeom prst="rect">
@@ -6035,7 +6055,7 @@
         </p:nvCxnSpPr>
         <p:spPr>
           <a:xfrm flipV="1">
-            <a:off x="4763832" y="1821974"/>
+            <a:off x="4763832" y="1821975"/>
             <a:ext cx="0" cy="191816"/>
           </a:xfrm>
           <a:prstGeom prst="straightConnector1">
@@ -6043,8 +6063,9 @@
           </a:prstGeom>
           <a:ln>
             <a:solidFill>
-              <a:schemeClr val="tx1"/>
-            </a:solidFill>
+              <a:srgbClr val="0070C0"/>
+            </a:solidFill>
+            <a:headEnd type="none"/>
             <a:tailEnd type="triangle"/>
           </a:ln>
         </p:spPr>
@@ -6087,8 +6108,9 @@
           </a:prstGeom>
           <a:ln>
             <a:solidFill>
-              <a:schemeClr val="tx1"/>
-            </a:solidFill>
+              <a:srgbClr val="0070C0"/>
+            </a:solidFill>
+            <a:headEnd type="none"/>
             <a:tailEnd type="triangle"/>
           </a:ln>
         </p:spPr>
@@ -6131,8 +6153,9 @@
           </a:prstGeom>
           <a:ln>
             <a:solidFill>
-              <a:schemeClr val="tx1"/>
-            </a:solidFill>
+              <a:srgbClr val="0070C0"/>
+            </a:solidFill>
+            <a:headEnd type="none"/>
             <a:tailEnd type="triangle"/>
           </a:ln>
         </p:spPr>
@@ -6175,8 +6198,9 @@
           </a:prstGeom>
           <a:ln>
             <a:solidFill>
-              <a:schemeClr val="tx1"/>
-            </a:solidFill>
+              <a:srgbClr val="0070C0"/>
+            </a:solidFill>
+            <a:headEnd type="none"/>
             <a:tailEnd type="triangle"/>
           </a:ln>
         </p:spPr>
@@ -6211,7 +6235,7 @@
         </p:nvCxnSpPr>
         <p:spPr>
           <a:xfrm flipV="1">
-            <a:off x="4574646" y="1820660"/>
+            <a:off x="4574647" y="1820660"/>
             <a:ext cx="0" cy="191816"/>
           </a:xfrm>
           <a:prstGeom prst="straightConnector1">
@@ -6219,8 +6243,9 @@
           </a:prstGeom>
           <a:ln>
             <a:solidFill>
-              <a:schemeClr val="tx1"/>
-            </a:solidFill>
+              <a:srgbClr val="0070C0"/>
+            </a:solidFill>
+            <a:headEnd type="none"/>
             <a:tailEnd type="triangle"/>
           </a:ln>
         </p:spPr>
@@ -6256,14 +6281,14 @@
         <p:spPr>
           <a:xfrm>
             <a:off x="3789000" y="773311"/>
-            <a:ext cx="0" cy="898510"/>
+            <a:ext cx="0" cy="898511"/>
           </a:xfrm>
           <a:prstGeom prst="line">
             <a:avLst/>
           </a:prstGeom>
           <a:ln>
             <a:solidFill>
-              <a:schemeClr val="tx1"/>
+              <a:srgbClr val="FF0000"/>
             </a:solidFill>
           </a:ln>
         </p:spPr>
@@ -6299,15 +6324,15 @@
         </p:nvCxnSpPr>
         <p:spPr>
           <a:xfrm>
-            <a:off x="3789000" y="1680046"/>
-            <a:ext cx="349466" cy="0"/>
+            <a:off x="3789000" y="1680047"/>
+            <a:ext cx="349467" cy="0"/>
           </a:xfrm>
           <a:prstGeom prst="straightConnector1">
             <a:avLst/>
           </a:prstGeom>
           <a:ln>
             <a:solidFill>
-              <a:schemeClr val="tx1"/>
+              <a:srgbClr val="FF0000"/>
             </a:solidFill>
             <a:tailEnd type="triangle"/>
           </a:ln>
@@ -6341,7 +6366,7 @@
         </p:nvSpPr>
         <p:spPr>
           <a:xfrm>
-            <a:off x="2265001" y="2021919"/>
+            <a:off x="2265001" y="2021920"/>
             <a:ext cx="1250731" cy="549579"/>
           </a:xfrm>
           <a:prstGeom prst="rect">
@@ -6475,7 +6500,7 @@
         </p:nvSpPr>
         <p:spPr>
           <a:xfrm>
-            <a:off x="6492782" y="2017548"/>
+            <a:off x="6492783" y="2017548"/>
             <a:ext cx="1250731" cy="552453"/>
           </a:xfrm>
           <a:prstGeom prst="rect">
@@ -6542,7 +6567,7 @@
         </p:nvSpPr>
         <p:spPr>
           <a:xfrm>
-            <a:off x="8358371" y="2017548"/>
+            <a:off x="8358372" y="2017549"/>
             <a:ext cx="1250731" cy="563068"/>
           </a:xfrm>
           <a:prstGeom prst="rect">
@@ -6609,7 +6634,7 @@
         </p:nvSpPr>
         <p:spPr>
           <a:xfrm>
-            <a:off x="342914" y="2735122"/>
+            <a:off x="342915" y="2735122"/>
             <a:ext cx="1359771" cy="369332"/>
           </a:xfrm>
           <a:prstGeom prst="rect">
@@ -6645,7 +6670,7 @@
         </p:nvSpPr>
         <p:spPr>
           <a:xfrm>
-            <a:off x="734534" y="-11238"/>
+            <a:off x="734535" y="-11239"/>
             <a:ext cx="517399" cy="369332"/>
           </a:xfrm>
           <a:prstGeom prst="rect">
@@ -6689,8 +6714,8 @@
         </p:nvSpPr>
         <p:spPr>
           <a:xfrm rot="16200000">
-            <a:off x="929843" y="2577867"/>
-            <a:ext cx="163642" cy="278455"/>
+            <a:off x="929843" y="2577869"/>
+            <a:ext cx="163643" cy="278455"/>
           </a:xfrm>
           <a:prstGeom prst="rightArrow">
             <a:avLst/>
@@ -6741,7 +6766,7 @@
         </p:nvSpPr>
         <p:spPr>
           <a:xfrm rot="16200000">
-            <a:off x="918645" y="301326"/>
+            <a:off x="918645" y="301327"/>
             <a:ext cx="148976" cy="148439"/>
           </a:xfrm>
           <a:prstGeom prst="rightArrow">
@@ -6793,7 +6818,7 @@
         </p:nvSpPr>
         <p:spPr>
           <a:xfrm>
-            <a:off x="2639531" y="-11238"/>
+            <a:off x="2639533" y="-11239"/>
             <a:ext cx="517399" cy="369332"/>
           </a:xfrm>
           <a:prstGeom prst="rect">
@@ -6837,7 +6862,7 @@
         </p:nvSpPr>
         <p:spPr>
           <a:xfrm rot="16200000">
-            <a:off x="2823642" y="301326"/>
+            <a:off x="2823643" y="301327"/>
             <a:ext cx="148976" cy="148439"/>
           </a:xfrm>
           <a:prstGeom prst="rightArrow">
@@ -6889,7 +6914,7 @@
         </p:nvSpPr>
         <p:spPr>
           <a:xfrm>
-            <a:off x="4534013" y="-13857"/>
+            <a:off x="4534014" y="-13858"/>
             <a:ext cx="517399" cy="369332"/>
           </a:xfrm>
           <a:prstGeom prst="rect">
@@ -6933,7 +6958,7 @@
         </p:nvSpPr>
         <p:spPr>
           <a:xfrm rot="16200000">
-            <a:off x="4718124" y="298707"/>
+            <a:off x="4718124" y="298709"/>
             <a:ext cx="148976" cy="148439"/>
           </a:xfrm>
           <a:prstGeom prst="rightArrow">
@@ -6985,7 +7010,7 @@
         </p:nvSpPr>
         <p:spPr>
           <a:xfrm>
-            <a:off x="8735544" y="-19156"/>
+            <a:off x="8735546" y="-19156"/>
             <a:ext cx="517399" cy="369332"/>
           </a:xfrm>
           <a:prstGeom prst="rect">
@@ -7029,7 +7054,7 @@
         </p:nvSpPr>
         <p:spPr>
           <a:xfrm rot="16200000">
-            <a:off x="8919655" y="293408"/>
+            <a:off x="8919655" y="293410"/>
             <a:ext cx="148976" cy="148439"/>
           </a:xfrm>
           <a:prstGeom prst="rightArrow">
@@ -7081,7 +7106,7 @@
         </p:nvSpPr>
         <p:spPr>
           <a:xfrm>
-            <a:off x="6891213" y="-8259"/>
+            <a:off x="6891214" y="-8259"/>
             <a:ext cx="517399" cy="369332"/>
           </a:xfrm>
           <a:prstGeom prst="rect">
@@ -7125,7 +7150,7 @@
         </p:nvSpPr>
         <p:spPr>
           <a:xfrm rot="16200000">
-            <a:off x="7075324" y="312188"/>
+            <a:off x="7075324" y="312190"/>
             <a:ext cx="148976" cy="148439"/>
           </a:xfrm>
           <a:prstGeom prst="rightArrow">
@@ -7180,7 +7205,7 @@
         </p:nvCxnSpPr>
         <p:spPr>
           <a:xfrm>
-            <a:off x="3903542" y="3051038"/>
+            <a:off x="3903544" y="3051039"/>
             <a:ext cx="3455521" cy="0"/>
           </a:xfrm>
           <a:prstGeom prst="straightConnector1">
@@ -7222,7 +7247,7 @@
         </p:nvSpPr>
         <p:spPr>
           <a:xfrm>
-            <a:off x="4874715" y="4116117"/>
+            <a:off x="4874715" y="4116118"/>
             <a:ext cx="6198592" cy="194377"/>
           </a:xfrm>
           <a:prstGeom prst="rect">
@@ -7286,8 +7311,8 @@
         </p:nvSpPr>
         <p:spPr>
           <a:xfrm>
-            <a:off x="4955554" y="4914808"/>
-            <a:ext cx="604358" cy="150812"/>
+            <a:off x="4955554" y="4914809"/>
+            <a:ext cx="604359" cy="150812"/>
           </a:xfrm>
           <a:prstGeom prst="rect">
             <a:avLst/>
@@ -7353,14 +7378,14 @@
         <p:spPr>
           <a:xfrm>
             <a:off x="3789000" y="5356044"/>
-            <a:ext cx="6790322" cy="0"/>
+            <a:ext cx="6790323" cy="0"/>
           </a:xfrm>
           <a:prstGeom prst="line">
             <a:avLst/>
           </a:prstGeom>
           <a:ln>
             <a:solidFill>
-              <a:schemeClr val="tx1"/>
+              <a:srgbClr val="FF0000"/>
             </a:solidFill>
           </a:ln>
         </p:spPr>
@@ -7395,8 +7420,8 @@
         </p:nvCxnSpPr>
         <p:spPr>
           <a:xfrm flipV="1">
-            <a:off x="5260106" y="4728232"/>
-            <a:ext cx="0" cy="173406"/>
+            <a:off x="5260107" y="4728233"/>
+            <a:ext cx="0" cy="173407"/>
           </a:xfrm>
           <a:prstGeom prst="straightConnector1">
             <a:avLst/>
@@ -7439,15 +7464,15 @@
         </p:nvCxnSpPr>
         <p:spPr>
           <a:xfrm flipV="1">
-            <a:off x="5184253" y="5065620"/>
-            <a:ext cx="0" cy="282542"/>
+            <a:off x="5184253" y="5065621"/>
+            <a:ext cx="0" cy="282543"/>
           </a:xfrm>
           <a:prstGeom prst="straightConnector1">
             <a:avLst/>
           </a:prstGeom>
           <a:ln>
             <a:solidFill>
-              <a:schemeClr val="tx1"/>
+              <a:srgbClr val="FF0000"/>
             </a:solidFill>
             <a:tailEnd type="triangle"/>
           </a:ln>
@@ -7481,7 +7506,7 @@
         </p:nvSpPr>
         <p:spPr>
           <a:xfrm>
-            <a:off x="5033279" y="6458776"/>
+            <a:off x="5033281" y="6458777"/>
             <a:ext cx="517399" cy="307777"/>
           </a:xfrm>
           <a:prstGeom prst="rect">
@@ -7520,8 +7545,8 @@
         </p:nvCxnSpPr>
         <p:spPr>
           <a:xfrm flipV="1">
-            <a:off x="5283754" y="6332492"/>
-            <a:ext cx="0" cy="173406"/>
+            <a:off x="5283755" y="6332493"/>
+            <a:ext cx="0" cy="173407"/>
           </a:xfrm>
           <a:prstGeom prst="straightConnector1">
             <a:avLst/>
@@ -7564,8 +7589,8 @@
         </p:nvCxnSpPr>
         <p:spPr>
           <a:xfrm flipV="1">
-            <a:off x="5249600" y="4301364"/>
-            <a:ext cx="0" cy="173406"/>
+            <a:off x="5249600" y="4301365"/>
+            <a:ext cx="0" cy="173407"/>
           </a:xfrm>
           <a:prstGeom prst="straightConnector1">
             <a:avLst/>
@@ -7607,7 +7632,7 @@
         <p:spPr>
           <a:xfrm>
             <a:off x="5993633" y="6074982"/>
-            <a:ext cx="820464" cy="257510"/>
+            <a:ext cx="820464" cy="257511"/>
           </a:xfrm>
           <a:prstGeom prst="rect">
             <a:avLst/>
@@ -7670,7 +7695,7 @@
         </p:nvSpPr>
         <p:spPr>
           <a:xfrm>
-            <a:off x="5993633" y="5825350"/>
+            <a:off x="5993633" y="5825352"/>
             <a:ext cx="820464" cy="254889"/>
           </a:xfrm>
           <a:prstGeom prst="rect">
@@ -7736,15 +7761,15 @@
         </p:nvCxnSpPr>
         <p:spPr>
           <a:xfrm flipV="1">
-            <a:off x="6327995" y="5651944"/>
-            <a:ext cx="0" cy="173406"/>
+            <a:off x="6327995" y="5651945"/>
+            <a:ext cx="0" cy="173407"/>
           </a:xfrm>
           <a:prstGeom prst="straightConnector1">
             <a:avLst/>
           </a:prstGeom>
           <a:ln>
             <a:solidFill>
-              <a:schemeClr val="tx1"/>
+              <a:schemeClr val="accent1"/>
             </a:solidFill>
             <a:tailEnd type="triangle"/>
           </a:ln>
@@ -7780,15 +7805,15 @@
         </p:nvCxnSpPr>
         <p:spPr>
           <a:xfrm flipV="1">
-            <a:off x="6459372" y="5651944"/>
-            <a:ext cx="0" cy="423038"/>
+            <a:off x="6459372" y="5651945"/>
+            <a:ext cx="0" cy="423039"/>
           </a:xfrm>
           <a:prstGeom prst="straightConnector1">
             <a:avLst/>
           </a:prstGeom>
           <a:ln>
             <a:solidFill>
-              <a:schemeClr val="tx1"/>
+              <a:schemeClr val="accent1"/>
             </a:solidFill>
             <a:tailEnd type="triangle"/>
           </a:ln>
@@ -7822,8 +7847,8 @@
         </p:nvSpPr>
         <p:spPr>
           <a:xfrm>
-            <a:off x="6094138" y="5494290"/>
-            <a:ext cx="604358" cy="150812"/>
+            <a:off x="6094138" y="5494291"/>
+            <a:ext cx="604359" cy="150812"/>
           </a:xfrm>
           <a:prstGeom prst="rect">
             <a:avLst/>
@@ -7888,15 +7913,15 @@
         </p:nvCxnSpPr>
         <p:spPr>
           <a:xfrm flipV="1">
-            <a:off x="6466167" y="5065620"/>
-            <a:ext cx="0" cy="428670"/>
+            <a:off x="6466167" y="5065621"/>
+            <a:ext cx="0" cy="428671"/>
           </a:xfrm>
           <a:prstGeom prst="straightConnector1">
             <a:avLst/>
           </a:prstGeom>
           <a:ln>
             <a:solidFill>
-              <a:schemeClr val="tx1"/>
+              <a:schemeClr val="accent1"/>
             </a:solidFill>
             <a:tailEnd type="triangle"/>
           </a:ln>
@@ -7930,7 +7955,7 @@
         </p:nvSpPr>
         <p:spPr>
           <a:xfrm>
-            <a:off x="6001516" y="4474770"/>
+            <a:off x="6001516" y="4474772"/>
             <a:ext cx="820464" cy="254889"/>
           </a:xfrm>
           <a:prstGeom prst="rect">
@@ -7994,8 +8019,8 @@
         </p:nvSpPr>
         <p:spPr>
           <a:xfrm>
-            <a:off x="6099313" y="4914808"/>
-            <a:ext cx="604358" cy="150812"/>
+            <a:off x="6099314" y="4914809"/>
+            <a:ext cx="604359" cy="150812"/>
           </a:xfrm>
           <a:prstGeom prst="rect">
             <a:avLst/>
@@ -8060,8 +8085,8 @@
         </p:nvCxnSpPr>
         <p:spPr>
           <a:xfrm flipV="1">
-            <a:off x="6403865" y="4728232"/>
-            <a:ext cx="0" cy="173406"/>
+            <a:off x="6403865" y="4728233"/>
+            <a:ext cx="0" cy="173407"/>
           </a:xfrm>
           <a:prstGeom prst="straightConnector1">
             <a:avLst/>
@@ -8104,15 +8129,15 @@
         </p:nvCxnSpPr>
         <p:spPr>
           <a:xfrm flipV="1">
-            <a:off x="6328012" y="5065620"/>
-            <a:ext cx="0" cy="282542"/>
+            <a:off x="6328012" y="5065621"/>
+            <a:ext cx="0" cy="282543"/>
           </a:xfrm>
           <a:prstGeom prst="straightConnector1">
             <a:avLst/>
           </a:prstGeom>
           <a:ln>
             <a:solidFill>
-              <a:schemeClr val="tx1"/>
+              <a:srgbClr val="FF0000"/>
             </a:solidFill>
             <a:tailEnd type="triangle"/>
           </a:ln>
@@ -8146,7 +8171,7 @@
         </p:nvSpPr>
         <p:spPr>
           <a:xfrm>
-            <a:off x="6177038" y="6458776"/>
+            <a:off x="6177039" y="6458777"/>
             <a:ext cx="517399" cy="307777"/>
           </a:xfrm>
           <a:prstGeom prst="rect">
@@ -8185,8 +8210,8 @@
         </p:nvCxnSpPr>
         <p:spPr>
           <a:xfrm flipV="1">
-            <a:off x="6427513" y="6332492"/>
-            <a:ext cx="0" cy="173406"/>
+            <a:off x="6427513" y="6332493"/>
+            <a:ext cx="0" cy="173407"/>
           </a:xfrm>
           <a:prstGeom prst="straightConnector1">
             <a:avLst/>
@@ -8229,8 +8254,8 @@
         </p:nvCxnSpPr>
         <p:spPr>
           <a:xfrm flipV="1">
-            <a:off x="6393359" y="4301364"/>
-            <a:ext cx="0" cy="173406"/>
+            <a:off x="6393359" y="4301365"/>
+            <a:ext cx="0" cy="173407"/>
           </a:xfrm>
           <a:prstGeom prst="straightConnector1">
             <a:avLst/>
@@ -8271,8 +8296,8 @@
         </p:nvSpPr>
         <p:spPr>
           <a:xfrm>
-            <a:off x="7176578" y="6074982"/>
-            <a:ext cx="820464" cy="257510"/>
+            <a:off x="7176579" y="6074982"/>
+            <a:ext cx="820464" cy="257511"/>
           </a:xfrm>
           <a:prstGeom prst="rect">
             <a:avLst/>
@@ -8335,7 +8360,7 @@
         </p:nvSpPr>
         <p:spPr>
           <a:xfrm>
-            <a:off x="7176578" y="5825350"/>
+            <a:off x="7176579" y="5825352"/>
             <a:ext cx="820464" cy="254889"/>
           </a:xfrm>
           <a:prstGeom prst="rect">
@@ -8401,15 +8426,15 @@
         </p:nvCxnSpPr>
         <p:spPr>
           <a:xfrm flipV="1">
-            <a:off x="7510940" y="5651944"/>
-            <a:ext cx="0" cy="173406"/>
+            <a:off x="7510940" y="5651945"/>
+            <a:ext cx="0" cy="173407"/>
           </a:xfrm>
           <a:prstGeom prst="straightConnector1">
             <a:avLst/>
           </a:prstGeom>
           <a:ln>
             <a:solidFill>
-              <a:schemeClr val="tx1"/>
+              <a:schemeClr val="accent1"/>
             </a:solidFill>
             <a:tailEnd type="triangle"/>
           </a:ln>
@@ -8445,15 +8470,15 @@
         </p:nvCxnSpPr>
         <p:spPr>
           <a:xfrm flipV="1">
-            <a:off x="7642317" y="5651944"/>
-            <a:ext cx="0" cy="423038"/>
+            <a:off x="7642317" y="5651945"/>
+            <a:ext cx="0" cy="423039"/>
           </a:xfrm>
           <a:prstGeom prst="straightConnector1">
             <a:avLst/>
           </a:prstGeom>
           <a:ln>
             <a:solidFill>
-              <a:schemeClr val="tx1"/>
+              <a:schemeClr val="accent1"/>
             </a:solidFill>
             <a:tailEnd type="triangle"/>
           </a:ln>
@@ -8487,8 +8512,8 @@
         </p:nvSpPr>
         <p:spPr>
           <a:xfrm>
-            <a:off x="7277083" y="5494290"/>
-            <a:ext cx="604358" cy="150812"/>
+            <a:off x="7277083" y="5494291"/>
+            <a:ext cx="604359" cy="150812"/>
           </a:xfrm>
           <a:prstGeom prst="rect">
             <a:avLst/>
@@ -8553,15 +8578,15 @@
         </p:nvCxnSpPr>
         <p:spPr>
           <a:xfrm flipV="1">
-            <a:off x="7649112" y="5065620"/>
-            <a:ext cx="0" cy="428670"/>
+            <a:off x="7649112" y="5065621"/>
+            <a:ext cx="0" cy="428671"/>
           </a:xfrm>
           <a:prstGeom prst="straightConnector1">
             <a:avLst/>
           </a:prstGeom>
           <a:ln>
             <a:solidFill>
-              <a:schemeClr val="tx1"/>
+              <a:schemeClr val="accent1"/>
             </a:solidFill>
             <a:tailEnd type="triangle"/>
           </a:ln>
@@ -8595,7 +8620,7 @@
         </p:nvSpPr>
         <p:spPr>
           <a:xfrm>
-            <a:off x="7184461" y="4474770"/>
+            <a:off x="7184461" y="4474772"/>
             <a:ext cx="820464" cy="254889"/>
           </a:xfrm>
           <a:prstGeom prst="rect">
@@ -8659,8 +8684,8 @@
         </p:nvSpPr>
         <p:spPr>
           <a:xfrm>
-            <a:off x="7282258" y="4914808"/>
-            <a:ext cx="604358" cy="150812"/>
+            <a:off x="7282258" y="4914809"/>
+            <a:ext cx="604359" cy="150812"/>
           </a:xfrm>
           <a:prstGeom prst="rect">
             <a:avLst/>
@@ -8725,8 +8750,8 @@
         </p:nvCxnSpPr>
         <p:spPr>
           <a:xfrm flipV="1">
-            <a:off x="7586810" y="4728232"/>
-            <a:ext cx="0" cy="173406"/>
+            <a:off x="7586811" y="4728233"/>
+            <a:ext cx="0" cy="173407"/>
           </a:xfrm>
           <a:prstGeom prst="straightConnector1">
             <a:avLst/>
@@ -8769,15 +8794,15 @@
         </p:nvCxnSpPr>
         <p:spPr>
           <a:xfrm flipV="1">
-            <a:off x="7510957" y="5065620"/>
-            <a:ext cx="0" cy="282542"/>
+            <a:off x="7510957" y="5065621"/>
+            <a:ext cx="0" cy="282543"/>
           </a:xfrm>
           <a:prstGeom prst="straightConnector1">
             <a:avLst/>
           </a:prstGeom>
           <a:ln>
             <a:solidFill>
-              <a:schemeClr val="tx1"/>
+              <a:srgbClr val="FF0000"/>
             </a:solidFill>
             <a:tailEnd type="triangle"/>
           </a:ln>
@@ -8811,7 +8836,7 @@
         </p:nvSpPr>
         <p:spPr>
           <a:xfrm>
-            <a:off x="7359983" y="6458776"/>
+            <a:off x="7359985" y="6458777"/>
             <a:ext cx="517399" cy="307777"/>
           </a:xfrm>
           <a:prstGeom prst="rect">
@@ -8850,8 +8875,8 @@
         </p:nvCxnSpPr>
         <p:spPr>
           <a:xfrm flipV="1">
-            <a:off x="7610458" y="6332492"/>
-            <a:ext cx="0" cy="173406"/>
+            <a:off x="7610459" y="6332493"/>
+            <a:ext cx="0" cy="173407"/>
           </a:xfrm>
           <a:prstGeom prst="straightConnector1">
             <a:avLst/>
@@ -8894,8 +8919,8 @@
         </p:nvCxnSpPr>
         <p:spPr>
           <a:xfrm flipV="1">
-            <a:off x="7576304" y="4301364"/>
-            <a:ext cx="0" cy="173406"/>
+            <a:off x="7576304" y="4301365"/>
+            <a:ext cx="0" cy="173407"/>
           </a:xfrm>
           <a:prstGeom prst="straightConnector1">
             <a:avLst/>
@@ -8937,7 +8962,7 @@
         <p:spPr>
           <a:xfrm>
             <a:off x="9047761" y="6074982"/>
-            <a:ext cx="820464" cy="257510"/>
+            <a:ext cx="820464" cy="257511"/>
           </a:xfrm>
           <a:prstGeom prst="rect">
             <a:avLst/>
@@ -9000,7 +9025,7 @@
         </p:nvSpPr>
         <p:spPr>
           <a:xfrm>
-            <a:off x="9047761" y="5825350"/>
+            <a:off x="9047761" y="5825352"/>
             <a:ext cx="820464" cy="254889"/>
           </a:xfrm>
           <a:prstGeom prst="rect">
@@ -9066,15 +9091,15 @@
         </p:nvCxnSpPr>
         <p:spPr>
           <a:xfrm flipV="1">
-            <a:off x="9382123" y="5651944"/>
-            <a:ext cx="0" cy="173406"/>
+            <a:off x="9382123" y="5651945"/>
+            <a:ext cx="0" cy="173407"/>
           </a:xfrm>
           <a:prstGeom prst="straightConnector1">
             <a:avLst/>
           </a:prstGeom>
           <a:ln>
             <a:solidFill>
-              <a:schemeClr val="tx1"/>
+              <a:schemeClr val="accent1"/>
             </a:solidFill>
             <a:tailEnd type="triangle"/>
           </a:ln>
@@ -9110,15 +9135,15 @@
         </p:nvCxnSpPr>
         <p:spPr>
           <a:xfrm flipV="1">
-            <a:off x="9513500" y="5651944"/>
-            <a:ext cx="0" cy="423038"/>
+            <a:off x="9513500" y="5651945"/>
+            <a:ext cx="0" cy="423039"/>
           </a:xfrm>
           <a:prstGeom prst="straightConnector1">
             <a:avLst/>
           </a:prstGeom>
           <a:ln>
             <a:solidFill>
-              <a:schemeClr val="tx1"/>
+              <a:schemeClr val="accent1"/>
             </a:solidFill>
             <a:tailEnd type="triangle"/>
           </a:ln>
@@ -9152,8 +9177,8 @@
         </p:nvSpPr>
         <p:spPr>
           <a:xfrm>
-            <a:off x="9148266" y="5494290"/>
-            <a:ext cx="604358" cy="150812"/>
+            <a:off x="9148266" y="5494291"/>
+            <a:ext cx="604359" cy="150812"/>
           </a:xfrm>
           <a:prstGeom prst="rect">
             <a:avLst/>
@@ -9218,15 +9243,15 @@
         </p:nvCxnSpPr>
         <p:spPr>
           <a:xfrm flipV="1">
-            <a:off x="9520295" y="5065620"/>
-            <a:ext cx="0" cy="428670"/>
+            <a:off x="9520295" y="5065621"/>
+            <a:ext cx="0" cy="428671"/>
           </a:xfrm>
           <a:prstGeom prst="straightConnector1">
             <a:avLst/>
           </a:prstGeom>
           <a:ln>
             <a:solidFill>
-              <a:schemeClr val="tx1"/>
+              <a:schemeClr val="accent1"/>
             </a:solidFill>
             <a:tailEnd type="triangle"/>
           </a:ln>
@@ -9260,7 +9285,7 @@
         </p:nvSpPr>
         <p:spPr>
           <a:xfrm>
-            <a:off x="9055644" y="4474770"/>
+            <a:off x="9055644" y="4474772"/>
             <a:ext cx="820464" cy="254889"/>
           </a:xfrm>
           <a:prstGeom prst="rect">
@@ -9324,8 +9349,8 @@
         </p:nvSpPr>
         <p:spPr>
           <a:xfrm>
-            <a:off x="9153441" y="4914808"/>
-            <a:ext cx="604358" cy="150812"/>
+            <a:off x="9153442" y="4914809"/>
+            <a:ext cx="604359" cy="150812"/>
           </a:xfrm>
           <a:prstGeom prst="rect">
             <a:avLst/>
@@ -9390,8 +9415,8 @@
         </p:nvCxnSpPr>
         <p:spPr>
           <a:xfrm flipV="1">
-            <a:off x="9457993" y="4728232"/>
-            <a:ext cx="0" cy="173406"/>
+            <a:off x="9457993" y="4728233"/>
+            <a:ext cx="0" cy="173407"/>
           </a:xfrm>
           <a:prstGeom prst="straightConnector1">
             <a:avLst/>
@@ -9434,15 +9459,15 @@
         </p:nvCxnSpPr>
         <p:spPr>
           <a:xfrm flipV="1">
-            <a:off x="9382140" y="5065620"/>
-            <a:ext cx="0" cy="282542"/>
+            <a:off x="9382140" y="5065621"/>
+            <a:ext cx="0" cy="282543"/>
           </a:xfrm>
           <a:prstGeom prst="straightConnector1">
             <a:avLst/>
           </a:prstGeom>
           <a:ln>
             <a:solidFill>
-              <a:schemeClr val="tx1"/>
+              <a:srgbClr val="FF0000"/>
             </a:solidFill>
             <a:tailEnd type="triangle"/>
           </a:ln>
@@ -9476,7 +9501,7 @@
         </p:nvSpPr>
         <p:spPr>
           <a:xfrm>
-            <a:off x="9231166" y="6458776"/>
+            <a:off x="9231167" y="6458777"/>
             <a:ext cx="517399" cy="307777"/>
           </a:xfrm>
           <a:prstGeom prst="rect">
@@ -9515,8 +9540,8 @@
         </p:nvCxnSpPr>
         <p:spPr>
           <a:xfrm flipV="1">
-            <a:off x="9481641" y="6332492"/>
-            <a:ext cx="0" cy="173406"/>
+            <a:off x="9481641" y="6332493"/>
+            <a:ext cx="0" cy="173407"/>
           </a:xfrm>
           <a:prstGeom prst="straightConnector1">
             <a:avLst/>
@@ -9559,8 +9584,8 @@
         </p:nvCxnSpPr>
         <p:spPr>
           <a:xfrm flipV="1">
-            <a:off x="9447487" y="4301364"/>
-            <a:ext cx="0" cy="173406"/>
+            <a:off x="9447487" y="4301365"/>
+            <a:ext cx="0" cy="173407"/>
           </a:xfrm>
           <a:prstGeom prst="straightConnector1">
             <a:avLst/>
@@ -9602,7 +9627,7 @@
         <p:spPr>
           <a:xfrm>
             <a:off x="10244960" y="6073555"/>
-            <a:ext cx="820464" cy="257510"/>
+            <a:ext cx="820464" cy="257511"/>
           </a:xfrm>
           <a:prstGeom prst="rect">
             <a:avLst/>
@@ -9665,7 +9690,7 @@
         </p:nvSpPr>
         <p:spPr>
           <a:xfrm>
-            <a:off x="10244960" y="5823923"/>
+            <a:off x="10244960" y="5823925"/>
             <a:ext cx="820464" cy="254889"/>
           </a:xfrm>
           <a:prstGeom prst="rect">
@@ -9731,15 +9756,15 @@
         </p:nvCxnSpPr>
         <p:spPr>
           <a:xfrm flipV="1">
-            <a:off x="10579322" y="5650517"/>
-            <a:ext cx="0" cy="173406"/>
+            <a:off x="10579323" y="5650518"/>
+            <a:ext cx="0" cy="173407"/>
           </a:xfrm>
           <a:prstGeom prst="straightConnector1">
             <a:avLst/>
           </a:prstGeom>
           <a:ln>
             <a:solidFill>
-              <a:schemeClr val="tx1"/>
+              <a:schemeClr val="accent1"/>
             </a:solidFill>
             <a:tailEnd type="triangle"/>
           </a:ln>
@@ -9775,15 +9800,15 @@
         </p:nvCxnSpPr>
         <p:spPr>
           <a:xfrm flipV="1">
-            <a:off x="10710699" y="5650517"/>
-            <a:ext cx="0" cy="423038"/>
+            <a:off x="10710699" y="5650518"/>
+            <a:ext cx="0" cy="423039"/>
           </a:xfrm>
           <a:prstGeom prst="straightConnector1">
             <a:avLst/>
           </a:prstGeom>
           <a:ln>
             <a:solidFill>
-              <a:schemeClr val="tx1"/>
+              <a:schemeClr val="accent1"/>
             </a:solidFill>
             <a:tailEnd type="triangle"/>
           </a:ln>
@@ -9817,8 +9842,8 @@
         </p:nvSpPr>
         <p:spPr>
           <a:xfrm>
-            <a:off x="10345465" y="5492863"/>
-            <a:ext cx="604358" cy="150812"/>
+            <a:off x="10345466" y="5492863"/>
+            <a:ext cx="604359" cy="150812"/>
           </a:xfrm>
           <a:prstGeom prst="rect">
             <a:avLst/>
@@ -9883,15 +9908,15 @@
         </p:nvCxnSpPr>
         <p:spPr>
           <a:xfrm flipV="1">
-            <a:off x="10717494" y="5064193"/>
-            <a:ext cx="0" cy="428670"/>
+            <a:off x="10717495" y="5064194"/>
+            <a:ext cx="0" cy="428671"/>
           </a:xfrm>
           <a:prstGeom prst="straightConnector1">
             <a:avLst/>
           </a:prstGeom>
           <a:ln>
             <a:solidFill>
-              <a:schemeClr val="tx1"/>
+              <a:schemeClr val="accent1"/>
             </a:solidFill>
             <a:tailEnd type="triangle"/>
           </a:ln>
@@ -9925,7 +9950,7 @@
         </p:nvSpPr>
         <p:spPr>
           <a:xfrm>
-            <a:off x="10252843" y="4473343"/>
+            <a:off x="10252843" y="4473345"/>
             <a:ext cx="820464" cy="254889"/>
           </a:xfrm>
           <a:prstGeom prst="rect">
@@ -9989,8 +10014,8 @@
         </p:nvSpPr>
         <p:spPr>
           <a:xfrm>
-            <a:off x="10350640" y="4913381"/>
-            <a:ext cx="604358" cy="150812"/>
+            <a:off x="10350641" y="4913382"/>
+            <a:ext cx="604359" cy="150812"/>
           </a:xfrm>
           <a:prstGeom prst="rect">
             <a:avLst/>
@@ -10055,8 +10080,8 @@
         </p:nvCxnSpPr>
         <p:spPr>
           <a:xfrm flipV="1">
-            <a:off x="10655192" y="4726805"/>
-            <a:ext cx="0" cy="173406"/>
+            <a:off x="10655192" y="4726806"/>
+            <a:ext cx="0" cy="173407"/>
           </a:xfrm>
           <a:prstGeom prst="straightConnector1">
             <a:avLst/>
@@ -10099,15 +10124,15 @@
         </p:nvCxnSpPr>
         <p:spPr>
           <a:xfrm flipV="1">
-            <a:off x="10579339" y="5064193"/>
-            <a:ext cx="0" cy="282542"/>
+            <a:off x="10579339" y="5064194"/>
+            <a:ext cx="0" cy="282543"/>
           </a:xfrm>
           <a:prstGeom prst="straightConnector1">
             <a:avLst/>
           </a:prstGeom>
           <a:ln>
             <a:solidFill>
-              <a:schemeClr val="tx1"/>
+              <a:srgbClr val="FF0000"/>
             </a:solidFill>
             <a:tailEnd type="triangle"/>
           </a:ln>
@@ -10141,7 +10166,7 @@
         </p:nvSpPr>
         <p:spPr>
           <a:xfrm>
-            <a:off x="10428365" y="6457349"/>
+            <a:off x="10428366" y="6457350"/>
             <a:ext cx="517399" cy="307777"/>
           </a:xfrm>
           <a:prstGeom prst="rect">
@@ -10180,8 +10205,8 @@
         </p:nvCxnSpPr>
         <p:spPr>
           <a:xfrm flipV="1">
-            <a:off x="10678840" y="6331065"/>
-            <a:ext cx="0" cy="173406"/>
+            <a:off x="10678840" y="6331066"/>
+            <a:ext cx="0" cy="173407"/>
           </a:xfrm>
           <a:prstGeom prst="straightConnector1">
             <a:avLst/>
@@ -10224,8 +10249,8 @@
         </p:nvCxnSpPr>
         <p:spPr>
           <a:xfrm flipV="1">
-            <a:off x="10644686" y="4299937"/>
-            <a:ext cx="0" cy="173406"/>
+            <a:off x="10644687" y="4299938"/>
+            <a:ext cx="0" cy="173407"/>
           </a:xfrm>
           <a:prstGeom prst="straightConnector1">
             <a:avLst/>
@@ -10266,7 +10291,7 @@
         </p:nvSpPr>
         <p:spPr>
           <a:xfrm>
-            <a:off x="8208688" y="5078491"/>
+            <a:off x="8208688" y="5078492"/>
             <a:ext cx="599085" cy="461665"/>
           </a:xfrm>
           <a:prstGeom prst="rect">
@@ -10311,8 +10336,8 @@
         </p:nvCxnSpPr>
         <p:spPr>
           <a:xfrm flipV="1">
-            <a:off x="5267989" y="3810396"/>
-            <a:ext cx="1963926" cy="306770"/>
+            <a:off x="5267990" y="3810396"/>
+            <a:ext cx="1963927" cy="306771"/>
           </a:xfrm>
           <a:prstGeom prst="straightConnector1">
             <a:avLst/>
@@ -10353,7 +10378,7 @@
         </p:nvSpPr>
         <p:spPr>
           <a:xfrm>
-            <a:off x="7231915" y="3713207"/>
+            <a:off x="7231916" y="3713209"/>
             <a:ext cx="1511509" cy="194377"/>
           </a:xfrm>
           <a:prstGeom prst="rect">
@@ -10420,8 +10445,8 @@
         </p:nvCxnSpPr>
         <p:spPr>
           <a:xfrm flipV="1">
-            <a:off x="5322408" y="3810396"/>
-            <a:ext cx="1909507" cy="1449794"/>
+            <a:off x="5322409" y="3810396"/>
+            <a:ext cx="1909507" cy="1449795"/>
           </a:xfrm>
           <a:prstGeom prst="straightConnector1">
             <a:avLst/>
@@ -10464,8 +10489,8 @@
         </p:nvCxnSpPr>
         <p:spPr>
           <a:xfrm flipV="1">
-            <a:off x="6427513" y="3901278"/>
-            <a:ext cx="984982" cy="198586"/>
+            <a:off x="6427514" y="3901277"/>
+            <a:ext cx="984983" cy="198587"/>
           </a:xfrm>
           <a:prstGeom prst="straightConnector1">
             <a:avLst/>
@@ -10508,7 +10533,7 @@
         </p:nvCxnSpPr>
         <p:spPr>
           <a:xfrm flipV="1">
-            <a:off x="6466167" y="3901278"/>
+            <a:off x="6466169" y="3901279"/>
             <a:ext cx="945081" cy="1337748"/>
           </a:xfrm>
           <a:prstGeom prst="straightConnector1">
@@ -10552,8 +10577,8 @@
         </p:nvCxnSpPr>
         <p:spPr>
           <a:xfrm flipV="1">
-            <a:off x="7566335" y="3908120"/>
-            <a:ext cx="257190" cy="203343"/>
+            <a:off x="7566335" y="3908122"/>
+            <a:ext cx="257191" cy="203343"/>
           </a:xfrm>
           <a:prstGeom prst="straightConnector1">
             <a:avLst/>
@@ -10596,7 +10621,7 @@
         </p:nvCxnSpPr>
         <p:spPr>
           <a:xfrm flipV="1">
-            <a:off x="7654686" y="3892181"/>
+            <a:off x="7654687" y="3892182"/>
             <a:ext cx="152583" cy="1358589"/>
           </a:xfrm>
           <a:prstGeom prst="straightConnector1">
@@ -10640,7 +10665,7 @@
         </p:nvCxnSpPr>
         <p:spPr>
           <a:xfrm flipH="1" flipV="1">
-            <a:off x="8427311" y="3908121"/>
+            <a:off x="8427311" y="3908122"/>
             <a:ext cx="1020176" cy="191743"/>
           </a:xfrm>
           <a:prstGeom prst="straightConnector1">
@@ -10685,7 +10710,7 @@
         <p:spPr>
           <a:xfrm flipH="1" flipV="1">
             <a:off x="8424123" y="3900240"/>
-            <a:ext cx="1096172" cy="1338786"/>
+            <a:ext cx="1096172" cy="1338787"/>
           </a:xfrm>
           <a:prstGeom prst="straightConnector1">
             <a:avLst/>
@@ -10729,8 +10754,8 @@
         </p:nvCxnSpPr>
         <p:spPr>
           <a:xfrm flipH="1" flipV="1">
-            <a:off x="8743424" y="3810396"/>
-            <a:ext cx="1901262" cy="304145"/>
+            <a:off x="8743425" y="3810397"/>
+            <a:ext cx="1901263" cy="304145"/>
           </a:xfrm>
           <a:prstGeom prst="straightConnector1">
             <a:avLst/>
@@ -10774,8 +10799,8 @@
         </p:nvCxnSpPr>
         <p:spPr>
           <a:xfrm flipH="1" flipV="1">
-            <a:off x="8743424" y="3810396"/>
-            <a:ext cx="1974070" cy="1417444"/>
+            <a:off x="8743425" y="3810397"/>
+            <a:ext cx="1974071" cy="1417444"/>
           </a:xfrm>
           <a:prstGeom prst="straightConnector1">
             <a:avLst/>
@@ -10820,8 +10845,8 @@
         </p:nvCxnSpPr>
         <p:spPr>
           <a:xfrm flipH="1" flipV="1">
-            <a:off x="7985488" y="3594048"/>
-            <a:ext cx="2182" cy="119159"/>
+            <a:off x="7985489" y="3594050"/>
+            <a:ext cx="2183" cy="119159"/>
           </a:xfrm>
           <a:prstGeom prst="straightConnector1">
             <a:avLst/>
@@ -10861,9 +10886,9 @@
           <p:nvPr/>
         </p:nvSpPr>
         <p:spPr>
-          <a:xfrm rot="2873245">
-            <a:off x="3660185" y="2642453"/>
-            <a:ext cx="284317" cy="401213"/>
+          <a:xfrm rot="2686387">
+            <a:off x="3662438" y="2562620"/>
+            <a:ext cx="260872" cy="537031"/>
           </a:xfrm>
           <a:prstGeom prst="rightArrow">
             <a:avLst/>
@@ -10924,7 +10949,7 @@
         </p:nvCxnSpPr>
         <p:spPr>
           <a:xfrm flipV="1">
-            <a:off x="8609794" y="3046715"/>
+            <a:off x="8609795" y="3046716"/>
             <a:ext cx="3018852" cy="4323"/>
           </a:xfrm>
           <a:prstGeom prst="straightConnector1">
@@ -10967,7 +10992,7 @@
         <p:spPr>
           <a:xfrm>
             <a:off x="2571563" y="1240883"/>
-            <a:ext cx="649510" cy="150554"/>
+            <a:ext cx="649511" cy="150555"/>
           </a:xfrm>
           <a:prstGeom prst="rect">
             <a:avLst/>
@@ -11036,8 +11061,8 @@
         </p:nvCxnSpPr>
         <p:spPr>
           <a:xfrm flipV="1">
-            <a:off x="2896318" y="1052904"/>
-            <a:ext cx="1918" cy="187979"/>
+            <a:off x="2896318" y="1052905"/>
+            <a:ext cx="1919" cy="187979"/>
           </a:xfrm>
           <a:prstGeom prst="straightConnector1">
             <a:avLst/>
@@ -11080,7 +11105,7 @@
         </p:nvCxnSpPr>
         <p:spPr>
           <a:xfrm>
-            <a:off x="1158259" y="138098"/>
+            <a:off x="1158260" y="138099"/>
             <a:ext cx="851603" cy="0"/>
           </a:xfrm>
           <a:prstGeom prst="line">
@@ -11088,7 +11113,7 @@
           </a:prstGeom>
           <a:ln>
             <a:solidFill>
-              <a:schemeClr val="tx1"/>
+              <a:srgbClr val="00B050"/>
             </a:solidFill>
           </a:ln>
         </p:spPr>
@@ -11123,15 +11148,15 @@
         </p:nvCxnSpPr>
         <p:spPr>
           <a:xfrm>
-            <a:off x="2009862" y="138098"/>
-            <a:ext cx="0" cy="1178062"/>
+            <a:off x="2009863" y="138098"/>
+            <a:ext cx="0" cy="1178063"/>
           </a:xfrm>
           <a:prstGeom prst="line">
             <a:avLst/>
           </a:prstGeom>
           <a:ln>
             <a:solidFill>
-              <a:schemeClr val="tx1"/>
+              <a:srgbClr val="00B050"/>
             </a:solidFill>
           </a:ln>
         </p:spPr>
@@ -11167,7 +11192,7 @@
         </p:nvCxnSpPr>
         <p:spPr>
           <a:xfrm>
-            <a:off x="2009862" y="1316160"/>
+            <a:off x="2009863" y="1316160"/>
             <a:ext cx="561701" cy="0"/>
           </a:xfrm>
           <a:prstGeom prst="straightConnector1">
@@ -11175,7 +11200,7 @@
           </a:prstGeom>
           <a:ln>
             <a:solidFill>
-              <a:schemeClr val="tx1"/>
+              <a:srgbClr val="00B050"/>
             </a:solidFill>
             <a:tailEnd type="triangle"/>
           </a:ln>
@@ -11209,8 +11234,8 @@
         </p:nvSpPr>
         <p:spPr>
           <a:xfrm>
-            <a:off x="7660733" y="3443494"/>
-            <a:ext cx="649510" cy="150554"/>
+            <a:off x="7660734" y="3443493"/>
+            <a:ext cx="649511" cy="150555"/>
           </a:xfrm>
           <a:prstGeom prst="rect">
             <a:avLst/>
@@ -11279,7 +11304,7 @@
         </p:nvCxnSpPr>
         <p:spPr>
           <a:xfrm flipH="1" flipV="1">
-            <a:off x="7984429" y="3306470"/>
+            <a:off x="7984429" y="3306471"/>
             <a:ext cx="1059" cy="137024"/>
           </a:xfrm>
           <a:prstGeom prst="straightConnector1">
@@ -11325,14 +11350,14 @@
         <p:spPr>
           <a:xfrm>
             <a:off x="3802343" y="3515003"/>
-            <a:ext cx="3858390" cy="3768"/>
+            <a:ext cx="3858391" cy="3768"/>
           </a:xfrm>
           <a:prstGeom prst="straightConnector1">
             <a:avLst/>
           </a:prstGeom>
           <a:ln>
             <a:solidFill>
-              <a:schemeClr val="tx1"/>
+              <a:srgbClr val="00B050"/>
             </a:solidFill>
             <a:tailEnd type="triangle"/>
           </a:ln>
@@ -11370,7 +11395,7 @@
         </p:nvCxnSpPr>
         <p:spPr>
           <a:xfrm flipV="1">
-            <a:off x="1022139" y="1379183"/>
+            <a:off x="1022139" y="1379185"/>
             <a:ext cx="280" cy="159553"/>
           </a:xfrm>
           <a:prstGeom prst="straightConnector1">
@@ -11412,8 +11437,8 @@
         </p:nvSpPr>
         <p:spPr>
           <a:xfrm>
-            <a:off x="697664" y="1228629"/>
-            <a:ext cx="649510" cy="150554"/>
+            <a:off x="697665" y="1228629"/>
+            <a:ext cx="649511" cy="150555"/>
           </a:xfrm>
           <a:prstGeom prst="rect">
             <a:avLst/>
@@ -11482,7 +11507,7 @@
         </p:nvCxnSpPr>
         <p:spPr>
           <a:xfrm flipH="1" flipV="1">
-            <a:off x="1022140" y="1052904"/>
+            <a:off x="1022142" y="1052904"/>
             <a:ext cx="279" cy="175725"/>
           </a:xfrm>
           <a:prstGeom prst="straightConnector1">
@@ -11528,7 +11553,7 @@
         </p:nvCxnSpPr>
         <p:spPr>
           <a:xfrm flipV="1">
-            <a:off x="4763832" y="1386729"/>
+            <a:off x="4763833" y="1386730"/>
             <a:ext cx="1201" cy="151389"/>
           </a:xfrm>
           <a:prstGeom prst="straightConnector1">
@@ -11571,7 +11596,7 @@
         <p:spPr>
           <a:xfrm>
             <a:off x="4440278" y="1236175"/>
-            <a:ext cx="649510" cy="150554"/>
+            <a:ext cx="649511" cy="150555"/>
           </a:xfrm>
           <a:prstGeom prst="rect">
             <a:avLst/>
@@ -11638,7 +11663,7 @@
         </p:nvCxnSpPr>
         <p:spPr>
           <a:xfrm>
-            <a:off x="3097932" y="133390"/>
+            <a:off x="3097932" y="133391"/>
             <a:ext cx="780645" cy="0"/>
           </a:xfrm>
           <a:prstGeom prst="line">
@@ -11646,7 +11671,7 @@
           </a:prstGeom>
           <a:ln>
             <a:solidFill>
-              <a:schemeClr val="tx1"/>
+              <a:srgbClr val="00B050"/>
             </a:solidFill>
           </a:ln>
         </p:spPr>
@@ -11682,14 +11707,14 @@
         <p:spPr>
           <a:xfrm>
             <a:off x="3878577" y="133390"/>
-            <a:ext cx="0" cy="1178062"/>
+            <a:ext cx="0" cy="1178063"/>
           </a:xfrm>
           <a:prstGeom prst="line">
             <a:avLst/>
           </a:prstGeom>
           <a:ln>
             <a:solidFill>
-              <a:schemeClr val="tx1"/>
+              <a:srgbClr val="00B050"/>
             </a:solidFill>
           </a:ln>
         </p:spPr>
@@ -11725,7 +11750,7 @@
         </p:nvCxnSpPr>
         <p:spPr>
           <a:xfrm>
-            <a:off x="3878577" y="1311452"/>
+            <a:off x="3878578" y="1311452"/>
             <a:ext cx="561701" cy="0"/>
           </a:xfrm>
           <a:prstGeom prst="straightConnector1">
@@ -11733,7 +11758,7 @@
           </a:prstGeom>
           <a:ln>
             <a:solidFill>
-              <a:schemeClr val="tx1"/>
+              <a:srgbClr val="00B050"/>
             </a:solidFill>
             <a:tailEnd type="triangle"/>
           </a:ln>
@@ -11771,7 +11796,7 @@
         </p:nvCxnSpPr>
         <p:spPr>
           <a:xfrm flipH="1" flipV="1">
-            <a:off x="4763833" y="1047368"/>
+            <a:off x="4763833" y="1047370"/>
             <a:ext cx="1200" cy="188807"/>
           </a:xfrm>
           <a:prstGeom prst="straightConnector1">
@@ -11817,8 +11842,8 @@
         </p:nvCxnSpPr>
         <p:spPr>
           <a:xfrm flipH="1" flipV="1">
-            <a:off x="7118102" y="1378342"/>
-            <a:ext cx="46" cy="155940"/>
+            <a:off x="7118102" y="1378343"/>
+            <a:ext cx="47" cy="155940"/>
           </a:xfrm>
           <a:prstGeom prst="straightConnector1">
             <a:avLst/>
@@ -11860,7 +11885,7 @@
         <p:spPr>
           <a:xfrm>
             <a:off x="6793347" y="1227788"/>
-            <a:ext cx="649510" cy="150554"/>
+            <a:ext cx="649511" cy="150555"/>
           </a:xfrm>
           <a:prstGeom prst="rect">
             <a:avLst/>
@@ -11927,7 +11952,7 @@
         </p:nvCxnSpPr>
         <p:spPr>
           <a:xfrm>
-            <a:off x="5867418" y="125003"/>
+            <a:off x="5867419" y="125005"/>
             <a:ext cx="364228" cy="1"/>
           </a:xfrm>
           <a:prstGeom prst="line">
@@ -11935,7 +11960,7 @@
           </a:prstGeom>
           <a:ln>
             <a:solidFill>
-              <a:schemeClr val="tx1"/>
+              <a:srgbClr val="00B050"/>
             </a:solidFill>
           </a:ln>
         </p:spPr>
@@ -11970,15 +11995,15 @@
         </p:nvCxnSpPr>
         <p:spPr>
           <a:xfrm>
-            <a:off x="6231646" y="125003"/>
-            <a:ext cx="0" cy="1178062"/>
+            <a:off x="6231647" y="125003"/>
+            <a:ext cx="0" cy="1178063"/>
           </a:xfrm>
           <a:prstGeom prst="line">
             <a:avLst/>
           </a:prstGeom>
           <a:ln>
             <a:solidFill>
-              <a:schemeClr val="tx1"/>
+              <a:srgbClr val="00B050"/>
             </a:solidFill>
           </a:ln>
         </p:spPr>
@@ -12014,7 +12039,7 @@
         </p:nvCxnSpPr>
         <p:spPr>
           <a:xfrm>
-            <a:off x="6231646" y="1303065"/>
+            <a:off x="6231647" y="1303065"/>
             <a:ext cx="561701" cy="0"/>
           </a:xfrm>
           <a:prstGeom prst="straightConnector1">
@@ -12022,7 +12047,7 @@
           </a:prstGeom>
           <a:ln>
             <a:solidFill>
-              <a:schemeClr val="tx1"/>
+              <a:srgbClr val="00B050"/>
             </a:solidFill>
             <a:tailEnd type="triangle"/>
           </a:ln>
@@ -12060,7 +12085,7 @@
         </p:nvCxnSpPr>
         <p:spPr>
           <a:xfrm flipV="1">
-            <a:off x="7118102" y="1042465"/>
+            <a:off x="7118103" y="1042465"/>
             <a:ext cx="47" cy="185323"/>
           </a:xfrm>
           <a:prstGeom prst="straightConnector1">
@@ -12106,8 +12131,8 @@
         </p:nvCxnSpPr>
         <p:spPr>
           <a:xfrm flipH="1" flipV="1">
-            <a:off x="8991955" y="1361027"/>
-            <a:ext cx="2290" cy="173255"/>
+            <a:off x="8991955" y="1361029"/>
+            <a:ext cx="2291" cy="173255"/>
           </a:xfrm>
           <a:prstGeom prst="straightConnector1">
             <a:avLst/>
@@ -12148,8 +12173,8 @@
         </p:nvSpPr>
         <p:spPr>
           <a:xfrm>
-            <a:off x="8667200" y="1210473"/>
-            <a:ext cx="649510" cy="150554"/>
+            <a:off x="8667201" y="1210473"/>
+            <a:ext cx="649511" cy="150555"/>
           </a:xfrm>
           <a:prstGeom prst="rect">
             <a:avLst/>
@@ -12216,7 +12241,7 @@
         </p:nvCxnSpPr>
         <p:spPr>
           <a:xfrm>
-            <a:off x="7324854" y="107688"/>
+            <a:off x="7324855" y="107688"/>
             <a:ext cx="780645" cy="0"/>
           </a:xfrm>
           <a:prstGeom prst="line">
@@ -12224,7 +12249,7 @@
           </a:prstGeom>
           <a:ln>
             <a:solidFill>
-              <a:schemeClr val="tx1"/>
+              <a:srgbClr val="00B050"/>
             </a:solidFill>
           </a:ln>
         </p:spPr>
@@ -12259,15 +12284,15 @@
         </p:nvCxnSpPr>
         <p:spPr>
           <a:xfrm>
-            <a:off x="8105499" y="107688"/>
-            <a:ext cx="0" cy="1178062"/>
+            <a:off x="8105499" y="107689"/>
+            <a:ext cx="0" cy="1178063"/>
           </a:xfrm>
           <a:prstGeom prst="line">
             <a:avLst/>
           </a:prstGeom>
           <a:ln>
             <a:solidFill>
-              <a:schemeClr val="tx1"/>
+              <a:srgbClr val="00B050"/>
             </a:solidFill>
           </a:ln>
         </p:spPr>
@@ -12303,7 +12328,7 @@
         </p:nvCxnSpPr>
         <p:spPr>
           <a:xfrm>
-            <a:off x="8105499" y="1285750"/>
+            <a:off x="8105500" y="1285751"/>
             <a:ext cx="561701" cy="0"/>
           </a:xfrm>
           <a:prstGeom prst="straightConnector1">
@@ -12311,7 +12336,7 @@
           </a:prstGeom>
           <a:ln>
             <a:solidFill>
-              <a:schemeClr val="tx1"/>
+              <a:srgbClr val="00B050"/>
             </a:solidFill>
             <a:tailEnd type="triangle"/>
           </a:ln>
@@ -12349,7 +12374,7 @@
         </p:nvCxnSpPr>
         <p:spPr>
           <a:xfrm flipV="1">
-            <a:off x="8991955" y="1042465"/>
+            <a:off x="8991956" y="1042465"/>
             <a:ext cx="2291" cy="168008"/>
           </a:xfrm>
           <a:prstGeom prst="straightConnector1">
@@ -12358,6 +12383,728 @@
           <a:ln>
             <a:solidFill>
               <a:schemeClr val="tx1"/>
+            </a:solidFill>
+            <a:tailEnd type="triangle"/>
+          </a:ln>
+        </p:spPr>
+        <p:style>
+          <a:lnRef idx="1">
+            <a:schemeClr val="dk1"/>
+          </a:lnRef>
+          <a:fillRef idx="0">
+            <a:schemeClr val="dk1"/>
+          </a:fillRef>
+          <a:effectRef idx="0">
+            <a:schemeClr val="dk1"/>
+          </a:effectRef>
+          <a:fontRef idx="minor">
+            <a:schemeClr val="tx1"/>
+          </a:fontRef>
+        </p:style>
+      </p:cxnSp>
+      <p:cxnSp>
+        <p:nvCxnSpPr>
+          <p:cNvPr id="227" name="직선 화살표 연결선 226">
+            <a:extLst>
+              <a:ext uri="{FF2B5EF4-FFF2-40B4-BE49-F238E27FC236}">
+                <a16:creationId xmlns:a16="http://schemas.microsoft.com/office/drawing/2014/main" id="{12A2C4E2-D68B-49B3-B964-37430DA423F7}"/>
+              </a:ext>
+            </a:extLst>
+          </p:cNvPr>
+          <p:cNvCxnSpPr>
+            <a:cxnSpLocks/>
+            <a:stCxn id="64" idx="3"/>
+            <a:endCxn id="174" idx="1"/>
+          </p:cNvCxnSpPr>
+          <p:nvPr/>
+        </p:nvCxnSpPr>
+        <p:spPr>
+          <a:xfrm>
+            <a:off x="5670339" y="6203737"/>
+            <a:ext cx="323295" cy="0"/>
+          </a:xfrm>
+          <a:prstGeom prst="straightConnector1">
+            <a:avLst/>
+          </a:prstGeom>
+          <a:ln>
+            <a:solidFill>
+              <a:srgbClr val="0070C0"/>
+            </a:solidFill>
+            <a:tailEnd type="triangle"/>
+          </a:ln>
+        </p:spPr>
+        <p:style>
+          <a:lnRef idx="1">
+            <a:schemeClr val="dk1"/>
+          </a:lnRef>
+          <a:fillRef idx="0">
+            <a:schemeClr val="dk1"/>
+          </a:fillRef>
+          <a:effectRef idx="0">
+            <a:schemeClr val="dk1"/>
+          </a:effectRef>
+          <a:fontRef idx="minor">
+            <a:schemeClr val="tx1"/>
+          </a:fontRef>
+        </p:style>
+      </p:cxnSp>
+      <p:cxnSp>
+        <p:nvCxnSpPr>
+          <p:cNvPr id="228" name="직선 화살표 연결선 227">
+            <a:extLst>
+              <a:ext uri="{FF2B5EF4-FFF2-40B4-BE49-F238E27FC236}">
+                <a16:creationId xmlns:a16="http://schemas.microsoft.com/office/drawing/2014/main" id="{03911161-DFC0-4190-8A9F-CD364C7F934A}"/>
+              </a:ext>
+            </a:extLst>
+          </p:cNvPr>
+          <p:cNvCxnSpPr>
+            <a:cxnSpLocks/>
+            <a:stCxn id="174" idx="3"/>
+            <a:endCxn id="187" idx="1"/>
+          </p:cNvCxnSpPr>
+          <p:nvPr/>
+        </p:nvCxnSpPr>
+        <p:spPr>
+          <a:xfrm>
+            <a:off x="6814098" y="6203737"/>
+            <a:ext cx="362481" cy="0"/>
+          </a:xfrm>
+          <a:prstGeom prst="straightConnector1">
+            <a:avLst/>
+          </a:prstGeom>
+          <a:ln>
+            <a:solidFill>
+              <a:srgbClr val="0070C0"/>
+            </a:solidFill>
+            <a:tailEnd type="triangle"/>
+          </a:ln>
+        </p:spPr>
+        <p:style>
+          <a:lnRef idx="1">
+            <a:schemeClr val="dk1"/>
+          </a:lnRef>
+          <a:fillRef idx="0">
+            <a:schemeClr val="dk1"/>
+          </a:fillRef>
+          <a:effectRef idx="0">
+            <a:schemeClr val="dk1"/>
+          </a:effectRef>
+          <a:fontRef idx="minor">
+            <a:schemeClr val="tx1"/>
+          </a:fontRef>
+        </p:style>
+      </p:cxnSp>
+      <p:cxnSp>
+        <p:nvCxnSpPr>
+          <p:cNvPr id="229" name="직선 화살표 연결선 228">
+            <a:extLst>
+              <a:ext uri="{FF2B5EF4-FFF2-40B4-BE49-F238E27FC236}">
+                <a16:creationId xmlns:a16="http://schemas.microsoft.com/office/drawing/2014/main" id="{9D8B346C-5193-41EC-A3BD-BA453E8D3AD9}"/>
+              </a:ext>
+            </a:extLst>
+          </p:cNvPr>
+          <p:cNvCxnSpPr>
+            <a:cxnSpLocks/>
+            <a:stCxn id="187" idx="3"/>
+            <a:endCxn id="200" idx="1"/>
+          </p:cNvCxnSpPr>
+          <p:nvPr/>
+        </p:nvCxnSpPr>
+        <p:spPr>
+          <a:xfrm>
+            <a:off x="7997043" y="6203737"/>
+            <a:ext cx="1050719" cy="0"/>
+          </a:xfrm>
+          <a:prstGeom prst="straightConnector1">
+            <a:avLst/>
+          </a:prstGeom>
+          <a:ln>
+            <a:solidFill>
+              <a:srgbClr val="0070C0"/>
+            </a:solidFill>
+            <a:tailEnd type="triangle"/>
+          </a:ln>
+        </p:spPr>
+        <p:style>
+          <a:lnRef idx="1">
+            <a:schemeClr val="dk1"/>
+          </a:lnRef>
+          <a:fillRef idx="0">
+            <a:schemeClr val="dk1"/>
+          </a:fillRef>
+          <a:effectRef idx="0">
+            <a:schemeClr val="dk1"/>
+          </a:effectRef>
+          <a:fontRef idx="minor">
+            <a:schemeClr val="tx1"/>
+          </a:fontRef>
+        </p:style>
+      </p:cxnSp>
+      <p:cxnSp>
+        <p:nvCxnSpPr>
+          <p:cNvPr id="233" name="직선 화살표 연결선 232">
+            <a:extLst>
+              <a:ext uri="{FF2B5EF4-FFF2-40B4-BE49-F238E27FC236}">
+                <a16:creationId xmlns:a16="http://schemas.microsoft.com/office/drawing/2014/main" id="{BF71D402-E7A9-4031-AF8B-5E6BD521596C}"/>
+              </a:ext>
+            </a:extLst>
+          </p:cNvPr>
+          <p:cNvCxnSpPr>
+            <a:cxnSpLocks/>
+            <a:stCxn id="200" idx="3"/>
+            <a:endCxn id="213" idx="1"/>
+          </p:cNvCxnSpPr>
+          <p:nvPr/>
+        </p:nvCxnSpPr>
+        <p:spPr>
+          <a:xfrm flipV="1">
+            <a:off x="9868226" y="6202311"/>
+            <a:ext cx="376735" cy="1427"/>
+          </a:xfrm>
+          <a:prstGeom prst="straightConnector1">
+            <a:avLst/>
+          </a:prstGeom>
+          <a:ln>
+            <a:solidFill>
+              <a:srgbClr val="0070C0"/>
+            </a:solidFill>
+            <a:tailEnd type="triangle"/>
+          </a:ln>
+        </p:spPr>
+        <p:style>
+          <a:lnRef idx="1">
+            <a:schemeClr val="dk1"/>
+          </a:lnRef>
+          <a:fillRef idx="0">
+            <a:schemeClr val="dk1"/>
+          </a:fillRef>
+          <a:effectRef idx="0">
+            <a:schemeClr val="dk1"/>
+          </a:effectRef>
+          <a:fontRef idx="minor">
+            <a:schemeClr val="tx1"/>
+          </a:fontRef>
+        </p:style>
+      </p:cxnSp>
+      <p:sp>
+        <p:nvSpPr>
+          <p:cNvPr id="19" name="TextBox 18">
+            <a:extLst>
+              <a:ext uri="{FF2B5EF4-FFF2-40B4-BE49-F238E27FC236}">
+                <a16:creationId xmlns:a16="http://schemas.microsoft.com/office/drawing/2014/main" id="{9E67DCA7-1784-4548-BB25-A4E65C52A111}"/>
+              </a:ext>
+            </a:extLst>
+          </p:cNvPr>
+          <p:cNvSpPr txBox="1"/>
+          <p:nvPr/>
+        </p:nvSpPr>
+        <p:spPr>
+          <a:xfrm>
+            <a:off x="628927" y="4701724"/>
+            <a:ext cx="1774028" cy="338554"/>
+          </a:xfrm>
+          <a:prstGeom prst="rect">
+            <a:avLst/>
+          </a:prstGeom>
+          <a:noFill/>
+        </p:spPr>
+        <p:txBody>
+          <a:bodyPr wrap="square" rtlCol="0">
+            <a:spAutoFit/>
+          </a:bodyPr>
+          <a:lstStyle/>
+          <a:p>
+            <a:pPr algn="r"/>
+            <a:r>
+              <a:rPr lang="en-US" altLang="ko-KR" sz="1600">
+                <a:solidFill>
+                  <a:srgbClr val="00B050"/>
+                </a:solidFill>
+              </a:rPr>
+              <a:t>Teacher Forcing</a:t>
+            </a:r>
+            <a:endParaRPr lang="ko-KR" altLang="en-US" sz="1600">
+              <a:solidFill>
+                <a:srgbClr val="00B050"/>
+              </a:solidFill>
+            </a:endParaRPr>
+          </a:p>
+        </p:txBody>
+      </p:sp>
+      <p:sp>
+        <p:nvSpPr>
+          <p:cNvPr id="234" name="TextBox 233">
+            <a:extLst>
+              <a:ext uri="{FF2B5EF4-FFF2-40B4-BE49-F238E27FC236}">
+                <a16:creationId xmlns:a16="http://schemas.microsoft.com/office/drawing/2014/main" id="{FFF2A127-219C-40EC-8243-775A8DD58317}"/>
+              </a:ext>
+            </a:extLst>
+          </p:cNvPr>
+          <p:cNvSpPr txBox="1"/>
+          <p:nvPr/>
+        </p:nvSpPr>
+        <p:spPr>
+          <a:xfrm>
+            <a:off x="392317" y="5083284"/>
+            <a:ext cx="2361693" cy="338554"/>
+          </a:xfrm>
+          <a:prstGeom prst="rect">
+            <a:avLst/>
+          </a:prstGeom>
+          <a:noFill/>
+        </p:spPr>
+        <p:txBody>
+          <a:bodyPr wrap="square" rtlCol="0">
+            <a:spAutoFit/>
+          </a:bodyPr>
+          <a:lstStyle/>
+          <a:p>
+            <a:pPr algn="ctr"/>
+            <a:r>
+              <a:rPr lang="en-US" altLang="ko-KR" sz="1600">
+                <a:solidFill>
+                  <a:srgbClr val="FF0000"/>
+                </a:solidFill>
+              </a:rPr>
+              <a:t>Decoder Hidden State</a:t>
+            </a:r>
+            <a:endParaRPr lang="ko-KR" altLang="en-US" sz="1600">
+              <a:solidFill>
+                <a:srgbClr val="FF0000"/>
+              </a:solidFill>
+            </a:endParaRPr>
+          </a:p>
+        </p:txBody>
+      </p:sp>
+      <p:sp>
+        <p:nvSpPr>
+          <p:cNvPr id="237" name="TextBox 236">
+            <a:extLst>
+              <a:ext uri="{FF2B5EF4-FFF2-40B4-BE49-F238E27FC236}">
+                <a16:creationId xmlns:a16="http://schemas.microsoft.com/office/drawing/2014/main" id="{BAA13FEC-50A6-40FB-90A9-880D3A4C505D}"/>
+              </a:ext>
+            </a:extLst>
+          </p:cNvPr>
+          <p:cNvSpPr txBox="1"/>
+          <p:nvPr/>
+        </p:nvSpPr>
+        <p:spPr>
+          <a:xfrm>
+            <a:off x="395476" y="5464844"/>
+            <a:ext cx="2361693" cy="338554"/>
+          </a:xfrm>
+          <a:prstGeom prst="rect">
+            <a:avLst/>
+          </a:prstGeom>
+          <a:noFill/>
+        </p:spPr>
+        <p:txBody>
+          <a:bodyPr wrap="square" rtlCol="0">
+            <a:spAutoFit/>
+          </a:bodyPr>
+          <a:lstStyle/>
+          <a:p>
+            <a:pPr algn="ctr"/>
+            <a:r>
+              <a:rPr lang="en-US" altLang="ko-KR" sz="1600">
+                <a:solidFill>
+                  <a:srgbClr val="0070C0"/>
+                </a:solidFill>
+              </a:rPr>
+              <a:t>Encoder Hidden State</a:t>
+            </a:r>
+            <a:endParaRPr lang="ko-KR" altLang="en-US" sz="1600">
+              <a:solidFill>
+                <a:srgbClr val="0070C0"/>
+              </a:solidFill>
+            </a:endParaRPr>
+          </a:p>
+        </p:txBody>
+      </p:sp>
+      <p:cxnSp>
+        <p:nvCxnSpPr>
+          <p:cNvPr id="239" name="직선 화살표 연결선 238">
+            <a:extLst>
+              <a:ext uri="{FF2B5EF4-FFF2-40B4-BE49-F238E27FC236}">
+                <a16:creationId xmlns:a16="http://schemas.microsoft.com/office/drawing/2014/main" id="{BD58EE11-BD48-47D9-A2FB-5EAFEC00429A}"/>
+              </a:ext>
+            </a:extLst>
+          </p:cNvPr>
+          <p:cNvCxnSpPr>
+            <a:cxnSpLocks/>
+            <a:stCxn id="175" idx="1"/>
+            <a:endCxn id="68" idx="3"/>
+          </p:cNvCxnSpPr>
+          <p:nvPr/>
+        </p:nvCxnSpPr>
+        <p:spPr>
+          <a:xfrm flipH="1">
+            <a:off x="5670339" y="5952797"/>
+            <a:ext cx="323294" cy="0"/>
+          </a:xfrm>
+          <a:prstGeom prst="straightConnector1">
+            <a:avLst/>
+          </a:prstGeom>
+          <a:ln>
+            <a:solidFill>
+              <a:srgbClr val="0070C0"/>
+            </a:solidFill>
+            <a:tailEnd type="triangle"/>
+          </a:ln>
+        </p:spPr>
+        <p:style>
+          <a:lnRef idx="1">
+            <a:schemeClr val="dk1"/>
+          </a:lnRef>
+          <a:fillRef idx="0">
+            <a:schemeClr val="dk1"/>
+          </a:fillRef>
+          <a:effectRef idx="0">
+            <a:schemeClr val="dk1"/>
+          </a:effectRef>
+          <a:fontRef idx="minor">
+            <a:schemeClr val="tx1"/>
+          </a:fontRef>
+        </p:style>
+      </p:cxnSp>
+      <p:cxnSp>
+        <p:nvCxnSpPr>
+          <p:cNvPr id="240" name="직선 화살표 연결선 239">
+            <a:extLst>
+              <a:ext uri="{FF2B5EF4-FFF2-40B4-BE49-F238E27FC236}">
+                <a16:creationId xmlns:a16="http://schemas.microsoft.com/office/drawing/2014/main" id="{04BC7F17-60C5-4B3E-95D2-D08EBAFD0FA4}"/>
+              </a:ext>
+            </a:extLst>
+          </p:cNvPr>
+          <p:cNvCxnSpPr>
+            <a:cxnSpLocks/>
+            <a:stCxn id="188" idx="1"/>
+            <a:endCxn id="175" idx="3"/>
+          </p:cNvCxnSpPr>
+          <p:nvPr/>
+        </p:nvCxnSpPr>
+        <p:spPr>
+          <a:xfrm flipH="1">
+            <a:off x="6814097" y="5952797"/>
+            <a:ext cx="362482" cy="0"/>
+          </a:xfrm>
+          <a:prstGeom prst="straightConnector1">
+            <a:avLst/>
+          </a:prstGeom>
+          <a:ln>
+            <a:solidFill>
+              <a:srgbClr val="0070C0"/>
+            </a:solidFill>
+            <a:tailEnd type="triangle"/>
+          </a:ln>
+        </p:spPr>
+        <p:style>
+          <a:lnRef idx="1">
+            <a:schemeClr val="dk1"/>
+          </a:lnRef>
+          <a:fillRef idx="0">
+            <a:schemeClr val="dk1"/>
+          </a:fillRef>
+          <a:effectRef idx="0">
+            <a:schemeClr val="dk1"/>
+          </a:effectRef>
+          <a:fontRef idx="minor">
+            <a:schemeClr val="tx1"/>
+          </a:fontRef>
+        </p:style>
+      </p:cxnSp>
+      <p:cxnSp>
+        <p:nvCxnSpPr>
+          <p:cNvPr id="243" name="직선 화살표 연결선 242">
+            <a:extLst>
+              <a:ext uri="{FF2B5EF4-FFF2-40B4-BE49-F238E27FC236}">
+                <a16:creationId xmlns:a16="http://schemas.microsoft.com/office/drawing/2014/main" id="{9F7B896A-C1C9-47F3-B5A0-DF16FB3755C5}"/>
+              </a:ext>
+            </a:extLst>
+          </p:cNvPr>
+          <p:cNvCxnSpPr>
+            <a:cxnSpLocks/>
+            <a:stCxn id="201" idx="1"/>
+            <a:endCxn id="188" idx="3"/>
+          </p:cNvCxnSpPr>
+          <p:nvPr/>
+        </p:nvCxnSpPr>
+        <p:spPr>
+          <a:xfrm flipH="1">
+            <a:off x="7997043" y="5952797"/>
+            <a:ext cx="1050718" cy="0"/>
+          </a:xfrm>
+          <a:prstGeom prst="straightConnector1">
+            <a:avLst/>
+          </a:prstGeom>
+          <a:ln>
+            <a:solidFill>
+              <a:srgbClr val="0070C0"/>
+            </a:solidFill>
+            <a:tailEnd type="triangle"/>
+          </a:ln>
+        </p:spPr>
+        <p:style>
+          <a:lnRef idx="1">
+            <a:schemeClr val="dk1"/>
+          </a:lnRef>
+          <a:fillRef idx="0">
+            <a:schemeClr val="dk1"/>
+          </a:fillRef>
+          <a:effectRef idx="0">
+            <a:schemeClr val="dk1"/>
+          </a:effectRef>
+          <a:fontRef idx="minor">
+            <a:schemeClr val="tx1"/>
+          </a:fontRef>
+        </p:style>
+      </p:cxnSp>
+      <p:cxnSp>
+        <p:nvCxnSpPr>
+          <p:cNvPr id="245" name="직선 화살표 연결선 244">
+            <a:extLst>
+              <a:ext uri="{FF2B5EF4-FFF2-40B4-BE49-F238E27FC236}">
+                <a16:creationId xmlns:a16="http://schemas.microsoft.com/office/drawing/2014/main" id="{7592E946-EFEC-4438-A314-EFD637BB5404}"/>
+              </a:ext>
+            </a:extLst>
+          </p:cNvPr>
+          <p:cNvCxnSpPr>
+            <a:cxnSpLocks/>
+            <a:stCxn id="214" idx="1"/>
+            <a:endCxn id="201" idx="3"/>
+          </p:cNvCxnSpPr>
+          <p:nvPr/>
+        </p:nvCxnSpPr>
+        <p:spPr>
+          <a:xfrm flipH="1">
+            <a:off x="9868225" y="5951370"/>
+            <a:ext cx="376735" cy="1427"/>
+          </a:xfrm>
+          <a:prstGeom prst="straightConnector1">
+            <a:avLst/>
+          </a:prstGeom>
+          <a:ln>
+            <a:solidFill>
+              <a:srgbClr val="0070C0"/>
+            </a:solidFill>
+            <a:tailEnd type="triangle"/>
+          </a:ln>
+        </p:spPr>
+        <p:style>
+          <a:lnRef idx="1">
+            <a:schemeClr val="dk1"/>
+          </a:lnRef>
+          <a:fillRef idx="0">
+            <a:schemeClr val="dk1"/>
+          </a:fillRef>
+          <a:effectRef idx="0">
+            <a:schemeClr val="dk1"/>
+          </a:effectRef>
+          <a:fontRef idx="minor">
+            <a:schemeClr val="tx1"/>
+          </a:fontRef>
+        </p:style>
+      </p:cxnSp>
+      <p:sp>
+        <p:nvSpPr>
+          <p:cNvPr id="249" name="TextBox 248">
+            <a:extLst>
+              <a:ext uri="{FF2B5EF4-FFF2-40B4-BE49-F238E27FC236}">
+                <a16:creationId xmlns:a16="http://schemas.microsoft.com/office/drawing/2014/main" id="{273EFC42-4A4A-4885-9FD4-40ED9A62EF44}"/>
+              </a:ext>
+            </a:extLst>
+          </p:cNvPr>
+          <p:cNvSpPr txBox="1"/>
+          <p:nvPr/>
+        </p:nvSpPr>
+        <p:spPr>
+          <a:xfrm>
+            <a:off x="8238544" y="5787096"/>
+            <a:ext cx="599085" cy="461665"/>
+          </a:xfrm>
+          <a:prstGeom prst="rect">
+            <a:avLst/>
+          </a:prstGeom>
+          <a:solidFill>
+            <a:schemeClr val="bg1"/>
+          </a:solidFill>
+          <a:ln>
+            <a:noFill/>
+          </a:ln>
+        </p:spPr>
+        <p:txBody>
+          <a:bodyPr wrap="square" rtlCol="0">
+            <a:spAutoFit/>
+          </a:bodyPr>
+          <a:lstStyle/>
+          <a:p>
+            <a:pPr algn="ctr"/>
+            <a:r>
+              <a:rPr lang="en-US" altLang="ko-KR" sz="2400"/>
+              <a:t>…</a:t>
+            </a:r>
+            <a:endParaRPr lang="ko-KR" altLang="en-US"/>
+          </a:p>
+        </p:txBody>
+      </p:sp>
+      <p:sp>
+        <p:nvSpPr>
+          <p:cNvPr id="250" name="TextBox 249">
+            <a:extLst>
+              <a:ext uri="{FF2B5EF4-FFF2-40B4-BE49-F238E27FC236}">
+                <a16:creationId xmlns:a16="http://schemas.microsoft.com/office/drawing/2014/main" id="{3E5EA70A-5A3D-4FC9-B308-589DF048AB36}"/>
+              </a:ext>
+            </a:extLst>
+          </p:cNvPr>
+          <p:cNvSpPr txBox="1"/>
+          <p:nvPr/>
+        </p:nvSpPr>
+        <p:spPr>
+          <a:xfrm>
+            <a:off x="4342318" y="5127389"/>
+            <a:ext cx="485714" cy="246221"/>
+          </a:xfrm>
+          <a:prstGeom prst="rect">
+            <a:avLst/>
+          </a:prstGeom>
+          <a:noFill/>
+        </p:spPr>
+        <p:txBody>
+          <a:bodyPr wrap="square" rtlCol="0">
+            <a:spAutoFit/>
+          </a:bodyPr>
+          <a:lstStyle/>
+          <a:p>
+            <a:pPr algn="ctr"/>
+            <a:r>
+              <a:rPr lang="en-US" altLang="ko-KR" sz="1000">
+                <a:solidFill>
+                  <a:srgbClr val="FF0000"/>
+                </a:solidFill>
+              </a:rPr>
+              <a:t>Copy</a:t>
+            </a:r>
+            <a:endParaRPr lang="ko-KR" altLang="en-US" sz="1100">
+              <a:solidFill>
+                <a:srgbClr val="FF0000"/>
+              </a:solidFill>
+            </a:endParaRPr>
+          </a:p>
+        </p:txBody>
+      </p:sp>
+      <p:sp>
+        <p:nvSpPr>
+          <p:cNvPr id="252" name="TextBox 251">
+            <a:extLst>
+              <a:ext uri="{FF2B5EF4-FFF2-40B4-BE49-F238E27FC236}">
+                <a16:creationId xmlns:a16="http://schemas.microsoft.com/office/drawing/2014/main" id="{3B2B92DE-6105-497D-BC08-6053A428B24D}"/>
+              </a:ext>
+            </a:extLst>
+          </p:cNvPr>
+          <p:cNvSpPr txBox="1"/>
+          <p:nvPr/>
+        </p:nvSpPr>
+        <p:spPr>
+          <a:xfrm>
+            <a:off x="10333274" y="439047"/>
+            <a:ext cx="1250731" cy="276999"/>
+          </a:xfrm>
+          <a:prstGeom prst="rect">
+            <a:avLst/>
+          </a:prstGeom>
+          <a:noFill/>
+        </p:spPr>
+        <p:txBody>
+          <a:bodyPr wrap="square" rtlCol="0">
+            <a:spAutoFit/>
+          </a:bodyPr>
+          <a:lstStyle/>
+          <a:p>
+            <a:pPr algn="ctr"/>
+            <a:r>
+              <a:rPr lang="en-US" altLang="ko-KR" sz="1200">
+                <a:solidFill>
+                  <a:srgbClr val="FF0000"/>
+                </a:solidFill>
+              </a:rPr>
+              <a:t>Copy : </a:t>
+            </a:r>
+            <a:endParaRPr lang="ko-KR" altLang="en-US" sz="1100">
+              <a:solidFill>
+                <a:srgbClr val="FF0000"/>
+              </a:solidFill>
+            </a:endParaRPr>
+          </a:p>
+        </p:txBody>
+      </p:sp>
+      <p:cxnSp>
+        <p:nvCxnSpPr>
+          <p:cNvPr id="260" name="직선 연결선 259">
+            <a:extLst>
+              <a:ext uri="{FF2B5EF4-FFF2-40B4-BE49-F238E27FC236}">
+                <a16:creationId xmlns:a16="http://schemas.microsoft.com/office/drawing/2014/main" id="{BE4699B3-ECFA-4A4B-8774-F09B6B706000}"/>
+              </a:ext>
+            </a:extLst>
+          </p:cNvPr>
+          <p:cNvCxnSpPr>
+            <a:cxnSpLocks/>
+          </p:cNvCxnSpPr>
+          <p:nvPr/>
+        </p:nvCxnSpPr>
+        <p:spPr>
+          <a:xfrm>
+            <a:off x="11315781" y="607260"/>
+            <a:ext cx="383317" cy="0"/>
+          </a:xfrm>
+          <a:prstGeom prst="line">
+            <a:avLst/>
+          </a:prstGeom>
+          <a:ln>
+            <a:solidFill>
+              <a:srgbClr val="FF0000"/>
+            </a:solidFill>
+          </a:ln>
+        </p:spPr>
+        <p:style>
+          <a:lnRef idx="1">
+            <a:schemeClr val="dk1"/>
+          </a:lnRef>
+          <a:fillRef idx="0">
+            <a:schemeClr val="dk1"/>
+          </a:fillRef>
+          <a:effectRef idx="0">
+            <a:schemeClr val="dk1"/>
+          </a:effectRef>
+          <a:fontRef idx="minor">
+            <a:schemeClr val="tx1"/>
+          </a:fontRef>
+        </p:style>
+      </p:cxnSp>
+      <p:cxnSp>
+        <p:nvCxnSpPr>
+          <p:cNvPr id="262" name="직선 화살표 연결선 261">
+            <a:extLst>
+              <a:ext uri="{FF2B5EF4-FFF2-40B4-BE49-F238E27FC236}">
+                <a16:creationId xmlns:a16="http://schemas.microsoft.com/office/drawing/2014/main" id="{C76961B0-A9A9-4810-9A94-B701CE2B65DF}"/>
+              </a:ext>
+            </a:extLst>
+          </p:cNvPr>
+          <p:cNvCxnSpPr>
+            <a:cxnSpLocks/>
+          </p:cNvCxnSpPr>
+          <p:nvPr/>
+        </p:nvCxnSpPr>
+        <p:spPr>
+          <a:xfrm flipV="1">
+            <a:off x="11491834" y="316837"/>
+            <a:ext cx="0" cy="282543"/>
+          </a:xfrm>
+          <a:prstGeom prst="straightConnector1">
+            <a:avLst/>
+          </a:prstGeom>
+          <a:ln>
+            <a:solidFill>
+              <a:srgbClr val="FF0000"/>
             </a:solidFill>
             <a:tailEnd type="triangle"/>
           </a:ln>
